--- a/Breakout Room GM KELOMPOK 8 RPL.pptx
+++ b/Breakout Room GM KELOMPOK 8 RPL.pptx
@@ -5,7 +5,7 @@
     <p:sldMasterId id="2147483648" r:id="rId1"/>
   </p:sldMasterIdLst>
   <p:notesMasterIdLst>
-    <p:notesMasterId r:id="rId42"/>
+    <p:notesMasterId r:id="rId47"/>
   </p:notesMasterIdLst>
   <p:sldIdLst>
     <p:sldId id="257" r:id="rId2"/>
@@ -47,36 +47,42 @@
     <p:sldId id="326" r:id="rId38"/>
     <p:sldId id="327" r:id="rId39"/>
     <p:sldId id="329" r:id="rId40"/>
-    <p:sldId id="290" r:id="rId41"/>
+    <p:sldId id="331" r:id="rId41"/>
+    <p:sldId id="333" r:id="rId42"/>
+    <p:sldId id="334" r:id="rId43"/>
+    <p:sldId id="335" r:id="rId44"/>
+    <p:sldId id="336" r:id="rId45"/>
+    <p:sldId id="290" r:id="rId46"/>
   </p:sldIdLst>
   <p:sldSz cx="9144000" cy="5143500" type="screen16x9"/>
   <p:notesSz cx="6858000" cy="9144000"/>
   <p:embeddedFontLst>
     <p:embeddedFont>
-      <p:font typeface="Bebas Neue" charset="0"/>
-      <p:regular r:id="rId43"/>
+      <p:font typeface="Anaheim" panose="020B0604020202020204" charset="0"/>
+      <p:regular r:id="rId48"/>
     </p:embeddedFont>
     <p:embeddedFont>
-      <p:font typeface="Anaheim" charset="0"/>
-      <p:regular r:id="rId44"/>
+      <p:font typeface="Bebas Neue" panose="020B0606020202050201" pitchFamily="34" charset="0"/>
+      <p:regular r:id="rId49"/>
     </p:embeddedFont>
     <p:embeddedFont>
-      <p:font typeface="Nunito" charset="0"/>
-      <p:regular r:id="rId45"/>
-      <p:bold r:id="rId46"/>
-      <p:italic r:id="rId47"/>
-      <p:boldItalic r:id="rId48"/>
-    </p:embeddedFont>
-    <p:embeddedFont>
-      <p:font typeface="Montserrat ExtraBold" charset="0"/>
-      <p:bold r:id="rId49"/>
-    </p:embeddedFont>
-    <p:embeddedFont>
-      <p:font typeface="Calibri" pitchFamily="34" charset="0"/>
+      <p:font typeface="Calibri" panose="020F0502020204030204" pitchFamily="34" charset="0"/>
       <p:regular r:id="rId50"/>
       <p:bold r:id="rId51"/>
       <p:italic r:id="rId52"/>
       <p:boldItalic r:id="rId53"/>
+    </p:embeddedFont>
+    <p:embeddedFont>
+      <p:font typeface="Montserrat ExtraBold" panose="00000900000000000000" pitchFamily="50" charset="0"/>
+      <p:bold r:id="rId54"/>
+      <p:boldItalic r:id="rId55"/>
+    </p:embeddedFont>
+    <p:embeddedFont>
+      <p:font typeface="Nunito" panose="020B0604020202020204" charset="0"/>
+      <p:regular r:id="rId56"/>
+      <p:bold r:id="rId57"/>
+      <p:italic r:id="rId58"/>
+      <p:boldItalic r:id="rId59"/>
     </p:embeddedFont>
   </p:embeddedFontLst>
   <p:defaultTextStyle>
@@ -310,7 +316,7 @@
   </p:defaultTextStyle>
   <p:extLst>
     <p:ext uri="{EFAFB233-063F-42B5-8137-9DF3F51BA10A}">
-      <p15:sldGuideLst xmlns:p15="http://schemas.microsoft.com/office/powerpoint/2012/main" xmlns="">
+      <p15:sldGuideLst xmlns:p15="http://schemas.microsoft.com/office/powerpoint/2012/main">
         <p15:guide id="1" pos="454">
           <p15:clr>
             <a:srgbClr val="A4A3A4"/>
@@ -329,7 +335,7 @@
       </p15:sldGuideLst>
     </p:ext>
     <p:ext uri="{2D200454-40CA-4A62-9FC3-DE9A4176ACB9}">
-      <p15:notesGuideLst xmlns:p15="http://schemas.microsoft.com/office/powerpoint/2012/main" xmlns=""/>
+      <p15:notesGuideLst xmlns:p15="http://schemas.microsoft.com/office/powerpoint/2012/main"/>
     </p:ext>
   </p:extLst>
 </p:presentation>
@@ -3992,6 +3998,115 @@
 </file>
 
 <file path=ppt/notesSlides/notesSlide33.xml><?xml version="1.0" encoding="utf-8"?>
+<p:notes xmlns:a="http://schemas.openxmlformats.org/drawingml/2006/main" xmlns:r="http://schemas.openxmlformats.org/officeDocument/2006/relationships" xmlns:p="http://schemas.openxmlformats.org/presentationml/2006/main" showMasterSp="0" showMasterPhAnim="0">
+  <p:cSld>
+    <p:spTree>
+      <p:nvGrpSpPr>
+        <p:cNvPr id="1" name="Shape 803"/>
+        <p:cNvGrpSpPr/>
+        <p:nvPr/>
+      </p:nvGrpSpPr>
+      <p:grpSpPr>
+        <a:xfrm>
+          <a:off x="0" y="0"/>
+          <a:ext cx="0" cy="0"/>
+          <a:chOff x="0" y="0"/>
+          <a:chExt cx="0" cy="0"/>
+        </a:xfrm>
+      </p:grpSpPr>
+      <p:sp>
+        <p:nvSpPr>
+          <p:cNvPr id="1049146" name="Google Shape;804;g54dda1946d_6_308:notes"/>
+          <p:cNvSpPr>
+            <a:spLocks noGrp="1" noRot="1" noChangeAspect="1"/>
+          </p:cNvSpPr>
+          <p:nvPr>
+            <p:ph type="sldImg" idx="2"/>
+          </p:nvPr>
+        </p:nvSpPr>
+        <p:spPr>
+          <a:xfrm>
+            <a:off x="381000" y="685800"/>
+            <a:ext cx="6096000" cy="3429000"/>
+          </a:xfrm>
+          <a:custGeom>
+            <a:avLst/>
+            <a:gdLst/>
+            <a:ahLst/>
+            <a:cxnLst/>
+            <a:rect l="l" t="t" r="r" b="b"/>
+            <a:pathLst>
+              <a:path w="119999" h="119999" extrusionOk="0">
+                <a:moveTo>
+                  <a:pt x="0" y="0"/>
+                </a:moveTo>
+                <a:lnTo>
+                  <a:pt x="120000" y="0"/>
+                </a:lnTo>
+                <a:lnTo>
+                  <a:pt x="120000" y="120000"/>
+                </a:lnTo>
+                <a:lnTo>
+                  <a:pt x="0" y="120000"/>
+                </a:lnTo>
+                <a:close/>
+              </a:path>
+            </a:pathLst>
+          </a:custGeom>
+        </p:spPr>
+      </p:sp>
+      <p:sp>
+        <p:nvSpPr>
+          <p:cNvPr id="1049148" name="Google Shape;805;g54dda1946d_6_308:notes"/>
+          <p:cNvSpPr txBox="1">
+            <a:spLocks noGrp="1"/>
+          </p:cNvSpPr>
+          <p:nvPr>
+            <p:ph type="body" idx="1"/>
+          </p:nvPr>
+        </p:nvSpPr>
+        <p:spPr>
+          <a:xfrm>
+            <a:off x="685800" y="4343400"/>
+            <a:ext cx="5486400" cy="4114800"/>
+          </a:xfrm>
+          <a:prstGeom prst="rect">
+            <a:avLst/>
+          </a:prstGeom>
+        </p:spPr>
+        <p:txBody>
+          <a:bodyPr spcFirstLastPara="1" wrap="square" lIns="91425" tIns="91425" rIns="91425" bIns="91425" anchor="t" anchorCtr="0">
+            <a:noAutofit/>
+          </a:bodyPr>
+          <a:lstStyle/>
+          <a:p>
+            <a:pPr marL="0" lvl="0" indent="0" algn="l" rtl="0">
+              <a:spcBef>
+                <a:spcPct val="0"/>
+              </a:spcBef>
+              <a:spcAft>
+                <a:spcPct val="0"/>
+              </a:spcAft>
+              <a:buNone/>
+            </a:pPr>
+            <a:endParaRPr/>
+          </a:p>
+        </p:txBody>
+      </p:sp>
+    </p:spTree>
+    <p:extLst>
+      <p:ext uri="{BB962C8B-B14F-4D97-AF65-F5344CB8AC3E}">
+        <p14:creationId xmlns:p14="http://schemas.microsoft.com/office/powerpoint/2010/main" val="2050150586"/>
+      </p:ext>
+    </p:extLst>
+  </p:cSld>
+  <p:clrMapOvr>
+    <a:masterClrMapping/>
+  </p:clrMapOvr>
+</p:notes>
+</file>
+
+<file path=ppt/notesSlides/notesSlide34.xml><?xml version="1.0" encoding="utf-8"?>
 <p:notes xmlns:a="http://schemas.openxmlformats.org/drawingml/2006/main" xmlns:r="http://schemas.openxmlformats.org/officeDocument/2006/relationships" xmlns:p="http://schemas.openxmlformats.org/presentationml/2006/main" showMasterSp="0" showMasterPhAnim="0">
   <p:cSld>
     <p:spTree>
@@ -21709,10 +21824,6 @@
               </a:rPr>
               <a:t>Lunak</a:t>
             </a:r>
-            <a:r>
-              <a:rPr lang="en-ID" dirty="0"/>
-              <a:t/>
-            </a:r>
             <a:br>
               <a:rPr lang="en-ID" dirty="0"/>
             </a:br>
@@ -26336,22 +26447,22 @@
               <a:buNone/>
             </a:pPr>
             <a:r>
-              <a:rPr lang="en-ID"/>
-              <a:t>Paper</a:t>
-            </a:r>
-            <a:r>
-              <a:rPr lang="en"/>
-              <a:t> </a:t>
-            </a:r>
-            <a:r>
-              <a:rPr lang="en">
+              <a:rPr lang="en-ID" dirty="0"/>
+              <a:t>Mock up</a:t>
+            </a:r>
+            <a:r>
+              <a:rPr lang="en" dirty="0"/>
+              <a:t> </a:t>
+            </a:r>
+            <a:r>
+              <a:rPr lang="en-ID" dirty="0">
                 <a:solidFill>
                   <a:srgbClr val="C00000"/>
                 </a:solidFill>
               </a:rPr>
-              <a:t>Prototype</a:t>
-            </a:r>
-            <a:endParaRPr>
+              <a:t>Program</a:t>
+            </a:r>
+            <a:endParaRPr dirty="0">
               <a:solidFill>
                 <a:srgbClr val="C00000"/>
               </a:solidFill>
@@ -39637,59 +39748,27 @@
           <a:lstStyle/>
           <a:p>
             <a:r>
-              <a:rPr lang="en-US" sz="3200" dirty="0" smtClean="0">
+              <a:rPr lang="en-US" sz="3200" dirty="0">
                 <a:solidFill>
                   <a:srgbClr val="000000"/>
                 </a:solidFill>
               </a:rPr>
               <a:t>SDLC</a:t>
             </a:r>
-            <a:r>
-              <a:rPr lang="en-US" sz="2400" dirty="0" smtClean="0">
+            <a:br>
+              <a:rPr lang="en-US" sz="2400" dirty="0">
                 <a:solidFill>
                   <a:srgbClr val="000000"/>
                 </a:solidFill>
               </a:rPr>
-              <a:t/>
-            </a:r>
-            <a:br>
-              <a:rPr lang="en-US" sz="2400" dirty="0" smtClean="0">
-                <a:solidFill>
-                  <a:srgbClr val="000000"/>
-                </a:solidFill>
-              </a:rPr>
             </a:br>
-            <a:r>
-              <a:rPr lang="en-US" sz="2400" dirty="0" smtClean="0">
-                <a:solidFill>
-                  <a:srgbClr val="FF0000"/>
-                </a:solidFill>
-              </a:rPr>
-              <a:t>(</a:t>
-            </a:r>
             <a:r>
               <a:rPr lang="en-US" sz="2400" dirty="0">
                 <a:solidFill>
                   <a:srgbClr val="FF0000"/>
                 </a:solidFill>
               </a:rPr>
-              <a:t>Software Development Life </a:t>
-            </a:r>
-            <a:r>
-              <a:rPr lang="en-US" sz="2400" dirty="0" smtClean="0">
-                <a:solidFill>
-                  <a:srgbClr val="FF0000"/>
-                </a:solidFill>
-              </a:rPr>
-              <a:t>Cycle)</a:t>
-            </a:r>
-            <a:r>
-              <a:rPr lang="en-US" sz="2400" dirty="0">
-                <a:solidFill>
-                  <a:srgbClr val="FF0000"/>
-                </a:solidFill>
-              </a:rPr>
-              <a:t/>
+              <a:t>(Software Development Life Cycle)</a:t>
             </a:r>
             <a:br>
               <a:rPr lang="en-US" sz="2400" dirty="0">
@@ -39741,7 +39820,7 @@
               <a:buNone/>
             </a:pPr>
             <a:r>
-              <a:rPr lang="en-US" dirty="0" smtClean="0"/>
+              <a:rPr lang="en-US" dirty="0"/>
               <a:t>11</a:t>
             </a:r>
             <a:endParaRPr dirty="0"/>
@@ -39968,119 +40047,119 @@
           <a:p>
             <a:pPr lvl="0" algn="just"/>
             <a:r>
-              <a:rPr lang="en-ID" sz="1200" dirty="0" smtClean="0">
+              <a:rPr lang="en-ID" sz="1200" dirty="0">
                 <a:latin typeface="Arial" panose="020B0604020202020204" pitchFamily="34" charset="0"/>
                 <a:cs typeface="Arial" panose="020B0604020202020204" pitchFamily="34" charset="0"/>
               </a:rPr>
               <a:t>SDLC yang </a:t>
             </a:r>
             <a:r>
-              <a:rPr lang="en-ID" sz="1200" dirty="0" err="1" smtClean="0">
+              <a:rPr lang="en-ID" sz="1200" dirty="0" err="1">
                 <a:latin typeface="Arial" panose="020B0604020202020204" pitchFamily="34" charset="0"/>
                 <a:cs typeface="Arial" panose="020B0604020202020204" pitchFamily="34" charset="0"/>
               </a:rPr>
               <a:t>kelompok</a:t>
             </a:r>
             <a:r>
-              <a:rPr lang="en-ID" sz="1200" dirty="0" smtClean="0">
+              <a:rPr lang="en-ID" sz="1200" dirty="0">
                 <a:latin typeface="Arial" panose="020B0604020202020204" pitchFamily="34" charset="0"/>
                 <a:cs typeface="Arial" panose="020B0604020202020204" pitchFamily="34" charset="0"/>
               </a:rPr>
               <a:t> kami </a:t>
             </a:r>
             <a:r>
-              <a:rPr lang="en-ID" sz="1200" dirty="0" err="1" smtClean="0">
+              <a:rPr lang="en-ID" sz="1200" dirty="0" err="1">
                 <a:latin typeface="Arial" panose="020B0604020202020204" pitchFamily="34" charset="0"/>
                 <a:cs typeface="Arial" panose="020B0604020202020204" pitchFamily="34" charset="0"/>
               </a:rPr>
               <a:t>pilih</a:t>
             </a:r>
             <a:r>
-              <a:rPr lang="en-ID" sz="1200" dirty="0" smtClean="0">
-                <a:latin typeface="Arial" panose="020B0604020202020204" pitchFamily="34" charset="0"/>
-                <a:cs typeface="Arial" panose="020B0604020202020204" pitchFamily="34" charset="0"/>
-              </a:rPr>
-              <a:t> </a:t>
-            </a:r>
-            <a:r>
-              <a:rPr lang="en-ID" sz="1200" dirty="0" err="1" smtClean="0">
+              <a:rPr lang="en-ID" sz="1200" dirty="0">
+                <a:latin typeface="Arial" panose="020B0604020202020204" pitchFamily="34" charset="0"/>
+                <a:cs typeface="Arial" panose="020B0604020202020204" pitchFamily="34" charset="0"/>
+              </a:rPr>
+              <a:t> </a:t>
+            </a:r>
+            <a:r>
+              <a:rPr lang="en-ID" sz="1200" dirty="0" err="1">
                 <a:latin typeface="Arial" panose="020B0604020202020204" pitchFamily="34" charset="0"/>
                 <a:cs typeface="Arial" panose="020B0604020202020204" pitchFamily="34" charset="0"/>
               </a:rPr>
               <a:t>adalah</a:t>
             </a:r>
             <a:r>
-              <a:rPr lang="en-ID" sz="1200" dirty="0" smtClean="0">
-                <a:latin typeface="Arial" panose="020B0604020202020204" pitchFamily="34" charset="0"/>
-                <a:cs typeface="Arial" panose="020B0604020202020204" pitchFamily="34" charset="0"/>
-              </a:rPr>
-              <a:t> </a:t>
-            </a:r>
-            <a:r>
-              <a:rPr lang="en-ID" sz="1200" b="1" dirty="0" smtClean="0">
+              <a:rPr lang="en-ID" sz="1200" dirty="0">
+                <a:latin typeface="Arial" panose="020B0604020202020204" pitchFamily="34" charset="0"/>
+                <a:cs typeface="Arial" panose="020B0604020202020204" pitchFamily="34" charset="0"/>
+              </a:rPr>
+              <a:t> </a:t>
+            </a:r>
+            <a:r>
+              <a:rPr lang="en-ID" sz="1200" b="1" dirty="0">
                 <a:latin typeface="Arial" panose="020B0604020202020204" pitchFamily="34" charset="0"/>
                 <a:cs typeface="Arial" panose="020B0604020202020204" pitchFamily="34" charset="0"/>
               </a:rPr>
               <a:t>Agile</a:t>
             </a:r>
             <a:r>
-              <a:rPr lang="en-ID" sz="1200" dirty="0" smtClean="0">
+              <a:rPr lang="en-ID" sz="1200" dirty="0">
                 <a:latin typeface="Arial" panose="020B0604020202020204" pitchFamily="34" charset="0"/>
                 <a:cs typeface="Arial" panose="020B0604020202020204" pitchFamily="34" charset="0"/>
               </a:rPr>
               <a:t>. </a:t>
             </a:r>
             <a:r>
-              <a:rPr lang="en-ID" sz="1200" dirty="0" err="1" smtClean="0">
+              <a:rPr lang="en-ID" sz="1200" dirty="0" err="1">
                 <a:latin typeface="Arial" panose="020B0604020202020204" pitchFamily="34" charset="0"/>
                 <a:cs typeface="Arial" panose="020B0604020202020204" pitchFamily="34" charset="0"/>
               </a:rPr>
               <a:t>Berikut</a:t>
             </a:r>
             <a:r>
-              <a:rPr lang="en-ID" sz="1200" dirty="0" smtClean="0">
-                <a:latin typeface="Arial" panose="020B0604020202020204" pitchFamily="34" charset="0"/>
-                <a:cs typeface="Arial" panose="020B0604020202020204" pitchFamily="34" charset="0"/>
-              </a:rPr>
-              <a:t> </a:t>
-            </a:r>
-            <a:r>
-              <a:rPr lang="en-ID" sz="1200" dirty="0" err="1" smtClean="0">
+              <a:rPr lang="en-ID" sz="1200" dirty="0">
+                <a:latin typeface="Arial" panose="020B0604020202020204" pitchFamily="34" charset="0"/>
+                <a:cs typeface="Arial" panose="020B0604020202020204" pitchFamily="34" charset="0"/>
+              </a:rPr>
+              <a:t> </a:t>
+            </a:r>
+            <a:r>
+              <a:rPr lang="en-ID" sz="1200" dirty="0" err="1">
                 <a:latin typeface="Arial" panose="020B0604020202020204" pitchFamily="34" charset="0"/>
                 <a:cs typeface="Arial" panose="020B0604020202020204" pitchFamily="34" charset="0"/>
               </a:rPr>
               <a:t>alasan</a:t>
             </a:r>
             <a:r>
-              <a:rPr lang="en-ID" sz="1200" dirty="0" smtClean="0">
+              <a:rPr lang="en-ID" sz="1200" dirty="0">
                 <a:latin typeface="Arial" panose="020B0604020202020204" pitchFamily="34" charset="0"/>
                 <a:cs typeface="Arial" panose="020B0604020202020204" pitchFamily="34" charset="0"/>
               </a:rPr>
               <a:t> kami </a:t>
             </a:r>
             <a:r>
-              <a:rPr lang="en-ID" sz="1200" dirty="0" err="1" smtClean="0">
+              <a:rPr lang="en-ID" sz="1200" dirty="0" err="1">
                 <a:latin typeface="Arial" panose="020B0604020202020204" pitchFamily="34" charset="0"/>
                 <a:cs typeface="Arial" panose="020B0604020202020204" pitchFamily="34" charset="0"/>
               </a:rPr>
               <a:t>memilih</a:t>
             </a:r>
             <a:r>
-              <a:rPr lang="en-ID" sz="1200" dirty="0" smtClean="0">
+              <a:rPr lang="en-ID" sz="1200" dirty="0">
                 <a:latin typeface="Arial" panose="020B0604020202020204" pitchFamily="34" charset="0"/>
                 <a:cs typeface="Arial" panose="020B0604020202020204" pitchFamily="34" charset="0"/>
               </a:rPr>
               <a:t> SDLC </a:t>
             </a:r>
             <a:r>
-              <a:rPr lang="en-ID" sz="1200" dirty="0" err="1" smtClean="0">
+              <a:rPr lang="en-ID" sz="1200" dirty="0" err="1">
                 <a:latin typeface="Arial" panose="020B0604020202020204" pitchFamily="34" charset="0"/>
                 <a:cs typeface="Arial" panose="020B0604020202020204" pitchFamily="34" charset="0"/>
               </a:rPr>
               <a:t>tersebut</a:t>
             </a:r>
             <a:r>
-              <a:rPr lang="en-ID" sz="1200" dirty="0" smtClean="0">
+              <a:rPr lang="en-ID" sz="1200" dirty="0">
                 <a:latin typeface="Arial" panose="020B0604020202020204" pitchFamily="34" charset="0"/>
                 <a:cs typeface="Arial" panose="020B0604020202020204" pitchFamily="34" charset="0"/>
               </a:rPr>
@@ -40157,15 +40236,7 @@
             </a:r>
             <a:r>
               <a:rPr lang="en-US" sz="1200" dirty="0"/>
-              <a:t> SDLC </a:t>
-            </a:r>
-            <a:r>
-              <a:rPr lang="en-US" sz="1200" dirty="0" smtClean="0"/>
-              <a:t>Agile</a:t>
-            </a:r>
-            <a:r>
-              <a:rPr lang="en-US" sz="1200" dirty="0" smtClean="0"/>
-              <a:t> </a:t>
+              <a:t> SDLC Agile </a:t>
             </a:r>
             <a:r>
               <a:rPr lang="en-US" sz="1200" dirty="0" err="1"/>
@@ -40205,11 +40276,7 @@
             </a:r>
             <a:r>
               <a:rPr lang="en-US" sz="1200" dirty="0"/>
-              <a:t> </a:t>
-            </a:r>
-            <a:r>
-              <a:rPr lang="en-US" sz="1200" dirty="0" smtClean="0"/>
-              <a:t>lain:</a:t>
+              <a:t> lain:</a:t>
             </a:r>
           </a:p>
           <a:p>
@@ -40218,7 +40285,7 @@
               <a:buAutoNum type="arabicPeriod"/>
             </a:pPr>
             <a:r>
-              <a:rPr lang="en-US" sz="1100" dirty="0" err="1" smtClean="0"/>
+              <a:rPr lang="en-US" sz="1100" dirty="0" err="1"/>
               <a:t>Fleksibilitas</a:t>
             </a:r>
             <a:r>
@@ -40486,7 +40553,7 @@
               <a:t>efektif</a:t>
             </a:r>
             <a:r>
-              <a:rPr lang="en-US" sz="1100" dirty="0" smtClean="0"/>
+              <a:rPr lang="en-US" sz="1100" dirty="0"/>
               <a:t>.</a:t>
             </a:r>
           </a:p>
@@ -40496,11 +40563,11 @@
               <a:buAutoNum type="arabicPeriod"/>
             </a:pPr>
             <a:r>
-              <a:rPr lang="en-US" sz="1100" dirty="0" err="1" smtClean="0"/>
+              <a:rPr lang="en-US" sz="1100" dirty="0" err="1"/>
               <a:t>Peningkatan</a:t>
             </a:r>
             <a:r>
-              <a:rPr lang="en-US" sz="1100" dirty="0" smtClean="0"/>
+              <a:rPr lang="en-US" sz="1100" dirty="0"/>
               <a:t> </a:t>
             </a:r>
             <a:r>
@@ -40772,7 +40839,7 @@
               <a:t>diharapkan</a:t>
             </a:r>
             <a:r>
-              <a:rPr lang="en-US" sz="1100" dirty="0" smtClean="0"/>
+              <a:rPr lang="en-US" sz="1100" dirty="0"/>
               <a:t>.</a:t>
             </a:r>
           </a:p>
@@ -40782,7 +40849,7 @@
               <a:buAutoNum type="arabicPeriod"/>
             </a:pPr>
             <a:r>
-              <a:rPr lang="en-US" sz="1100" dirty="0" err="1" smtClean="0"/>
+              <a:rPr lang="en-US" sz="1100" dirty="0" err="1"/>
               <a:t>Transparansi</a:t>
             </a:r>
             <a:r>
@@ -41042,7 +41109,7 @@
               <a:t>baik</a:t>
             </a:r>
             <a:r>
-              <a:rPr lang="en-US" sz="1100" dirty="0" smtClean="0"/>
+              <a:rPr lang="en-US" sz="1100" dirty="0"/>
               <a:t>.</a:t>
             </a:r>
           </a:p>
@@ -41052,11 +41119,11 @@
               <a:buAutoNum type="arabicPeriod"/>
             </a:pPr>
             <a:r>
-              <a:rPr lang="en-US" sz="1100" dirty="0" err="1" smtClean="0"/>
+              <a:rPr lang="en-US" sz="1100" dirty="0" err="1"/>
               <a:t>Penyelesaian</a:t>
             </a:r>
             <a:r>
-              <a:rPr lang="en-US" sz="1100" dirty="0" smtClean="0"/>
+              <a:rPr lang="en-US" sz="1100" dirty="0"/>
               <a:t> </a:t>
             </a:r>
             <a:r>
@@ -41296,7 +41363,7 @@
               <a:t>besar</a:t>
             </a:r>
             <a:r>
-              <a:rPr lang="en-US" sz="1100" dirty="0" smtClean="0"/>
+              <a:rPr lang="en-US" sz="1100" dirty="0"/>
               <a:t>.</a:t>
             </a:r>
           </a:p>
@@ -41306,7 +41373,7 @@
               <a:buAutoNum type="arabicPeriod"/>
             </a:pPr>
             <a:r>
-              <a:rPr lang="en-US" sz="1100" dirty="0" err="1" smtClean="0"/>
+              <a:rPr lang="en-US" sz="1100" dirty="0" err="1"/>
               <a:t>Efisiensi</a:t>
             </a:r>
             <a:r>
@@ -41625,7 +41692,6 @@
               <a:rPr lang="en-US" sz="1100" dirty="0"/>
               <a:t>.</a:t>
             </a:r>
-            <a:endParaRPr lang="en-US" sz="1100" dirty="0"/>
           </a:p>
         </p:txBody>
       </p:sp>
@@ -41684,46 +41750,32 @@
           <a:p>
             <a:pPr lvl="0" algn="just"/>
             <a:r>
-              <a:rPr lang="en-ID" sz="1000" dirty="0" err="1" smtClean="0">
+              <a:rPr lang="en-ID" sz="1000" dirty="0" err="1">
                 <a:latin typeface="Arial" panose="020B0604020202020204" pitchFamily="34" charset="0"/>
                 <a:cs typeface="Arial" panose="020B0604020202020204" pitchFamily="34" charset="0"/>
               </a:rPr>
               <a:t>Penjelasan</a:t>
             </a:r>
             <a:r>
-              <a:rPr lang="en-ID" sz="1000" dirty="0" smtClean="0">
-                <a:latin typeface="Arial" panose="020B0604020202020204" pitchFamily="34" charset="0"/>
-                <a:cs typeface="Arial" panose="020B0604020202020204" pitchFamily="34" charset="0"/>
-              </a:rPr>
-              <a:t> </a:t>
-            </a:r>
-            <a:r>
-              <a:rPr lang="en-ID" sz="1000" dirty="0" err="1" smtClean="0">
+              <a:rPr lang="en-ID" sz="1000" dirty="0">
+                <a:latin typeface="Arial" panose="020B0604020202020204" pitchFamily="34" charset="0"/>
+                <a:cs typeface="Arial" panose="020B0604020202020204" pitchFamily="34" charset="0"/>
+              </a:rPr>
+              <a:t> </a:t>
+            </a:r>
+            <a:r>
+              <a:rPr lang="en-ID" sz="1000" dirty="0" err="1">
                 <a:latin typeface="Arial" panose="020B0604020202020204" pitchFamily="34" charset="0"/>
                 <a:cs typeface="Arial" panose="020B0604020202020204" pitchFamily="34" charset="0"/>
               </a:rPr>
               <a:t>Tahap-Tahap</a:t>
             </a:r>
             <a:r>
-              <a:rPr lang="en-ID" sz="1000" dirty="0" smtClean="0">
-                <a:latin typeface="Arial" panose="020B0604020202020204" pitchFamily="34" charset="0"/>
-                <a:cs typeface="Arial" panose="020B0604020202020204" pitchFamily="34" charset="0"/>
-              </a:rPr>
-              <a:t> </a:t>
-            </a:r>
-            <a:r>
               <a:rPr lang="en-ID" sz="1000" dirty="0">
                 <a:latin typeface="Arial" panose="020B0604020202020204" pitchFamily="34" charset="0"/>
                 <a:cs typeface="Arial" panose="020B0604020202020204" pitchFamily="34" charset="0"/>
               </a:rPr>
-              <a:t>Prototype Google Meet Breakout </a:t>
-            </a:r>
-            <a:r>
-              <a:rPr lang="en-ID" sz="1000" dirty="0" smtClean="0">
-                <a:latin typeface="Arial" panose="020B0604020202020204" pitchFamily="34" charset="0"/>
-                <a:cs typeface="Arial" panose="020B0604020202020204" pitchFamily="34" charset="0"/>
-              </a:rPr>
-              <a:t>Room</a:t>
+              <a:t> Prototype Google Meet Breakout Room</a:t>
             </a:r>
           </a:p>
           <a:p>
@@ -41834,7 +41886,7 @@
               <a:t>GMeet</a:t>
             </a:r>
             <a:r>
-              <a:rPr lang="en-ID" sz="1000" dirty="0" smtClean="0">
+              <a:rPr lang="en-ID" sz="1000" dirty="0">
                 <a:latin typeface="Arial" panose="020B0604020202020204" pitchFamily="34" charset="0"/>
                 <a:cs typeface="Arial" panose="020B0604020202020204" pitchFamily="34" charset="0"/>
               </a:rPr>
@@ -41843,7 +41895,7 @@
           </a:p>
           <a:p>
             <a:pPr lvl="0" algn="just"/>
-            <a:endParaRPr lang="en-ID" sz="1000" dirty="0" smtClean="0">
+            <a:endParaRPr lang="en-ID" sz="1000" dirty="0">
               <a:latin typeface="Arial" panose="020B0604020202020204" pitchFamily="34" charset="0"/>
               <a:cs typeface="Arial" panose="020B0604020202020204" pitchFamily="34" charset="0"/>
             </a:endParaRPr>
@@ -41853,14 +41905,14 @@
               <a:buAutoNum type="arabicPeriod"/>
             </a:pPr>
             <a:r>
-              <a:rPr lang="en-ID" sz="1000" dirty="0" err="1" smtClean="0">
+              <a:rPr lang="en-ID" sz="1000" dirty="0" err="1">
                 <a:latin typeface="Arial" panose="020B0604020202020204" pitchFamily="34" charset="0"/>
                 <a:cs typeface="Arial" panose="020B0604020202020204" pitchFamily="34" charset="0"/>
               </a:rPr>
               <a:t>Tahap</a:t>
             </a:r>
             <a:r>
-              <a:rPr lang="en-ID" sz="1000" dirty="0" smtClean="0">
+              <a:rPr lang="en-ID" sz="1000" dirty="0">
                 <a:latin typeface="Arial" panose="020B0604020202020204" pitchFamily="34" charset="0"/>
                 <a:cs typeface="Arial" panose="020B0604020202020204" pitchFamily="34" charset="0"/>
               </a:rPr>
@@ -42322,7 +42374,7 @@
               <a:t>pengerjaan</a:t>
             </a:r>
             <a:r>
-              <a:rPr lang="en-ID" sz="1000" dirty="0" smtClean="0">
+              <a:rPr lang="en-ID" sz="1000" dirty="0">
                 <a:latin typeface="Arial" panose="020B0604020202020204" pitchFamily="34" charset="0"/>
                 <a:cs typeface="Arial" panose="020B0604020202020204" pitchFamily="34" charset="0"/>
               </a:rPr>
@@ -42334,14 +42386,14 @@
               <a:buAutoNum type="arabicPeriod"/>
             </a:pPr>
             <a:r>
-              <a:rPr lang="en-ID" sz="1000" dirty="0" err="1" smtClean="0">
+              <a:rPr lang="en-ID" sz="1000" dirty="0" err="1">
                 <a:latin typeface="Arial" panose="020B0604020202020204" pitchFamily="34" charset="0"/>
                 <a:cs typeface="Arial" panose="020B0604020202020204" pitchFamily="34" charset="0"/>
               </a:rPr>
               <a:t>Tahap</a:t>
             </a:r>
             <a:r>
-              <a:rPr lang="en-ID" sz="1000" dirty="0" smtClean="0">
+              <a:rPr lang="en-ID" sz="1000" dirty="0">
                 <a:latin typeface="Arial" panose="020B0604020202020204" pitchFamily="34" charset="0"/>
                 <a:cs typeface="Arial" panose="020B0604020202020204" pitchFamily="34" charset="0"/>
               </a:rPr>
@@ -42789,7 +42841,7 @@
               <a:t>pengguna</a:t>
             </a:r>
             <a:r>
-              <a:rPr lang="en-ID" sz="1000" dirty="0" smtClean="0">
+              <a:rPr lang="en-ID" sz="1000" dirty="0">
                 <a:latin typeface="Arial" panose="020B0604020202020204" pitchFamily="34" charset="0"/>
                 <a:cs typeface="Arial" panose="020B0604020202020204" pitchFamily="34" charset="0"/>
               </a:rPr>
@@ -42801,14 +42853,14 @@
               <a:buAutoNum type="arabicPeriod"/>
             </a:pPr>
             <a:r>
-              <a:rPr lang="en-ID" sz="1000" dirty="0" err="1" smtClean="0">
+              <a:rPr lang="en-ID" sz="1000" dirty="0" err="1">
                 <a:latin typeface="Arial" panose="020B0604020202020204" pitchFamily="34" charset="0"/>
                 <a:cs typeface="Arial" panose="020B0604020202020204" pitchFamily="34" charset="0"/>
               </a:rPr>
               <a:t>Tahap</a:t>
             </a:r>
             <a:r>
-              <a:rPr lang="en-ID" sz="1000" dirty="0" smtClean="0">
+              <a:rPr lang="en-ID" sz="1000" dirty="0">
                 <a:latin typeface="Arial" panose="020B0604020202020204" pitchFamily="34" charset="0"/>
                 <a:cs typeface="Arial" panose="020B0604020202020204" pitchFamily="34" charset="0"/>
               </a:rPr>
@@ -43158,7 +43210,7 @@
               <a:t>efisien</a:t>
             </a:r>
             <a:r>
-              <a:rPr lang="en-ID" sz="1000" dirty="0" smtClean="0">
+              <a:rPr lang="en-ID" sz="1000" dirty="0">
                 <a:latin typeface="Arial" panose="020B0604020202020204" pitchFamily="34" charset="0"/>
                 <a:cs typeface="Arial" panose="020B0604020202020204" pitchFamily="34" charset="0"/>
               </a:rPr>
@@ -43170,14 +43222,14 @@
               <a:buAutoNum type="arabicPeriod"/>
             </a:pPr>
             <a:r>
-              <a:rPr lang="en-ID" sz="1000" dirty="0" err="1" smtClean="0">
+              <a:rPr lang="en-ID" sz="1000" dirty="0" err="1">
                 <a:latin typeface="Arial" panose="020B0604020202020204" pitchFamily="34" charset="0"/>
                 <a:cs typeface="Arial" panose="020B0604020202020204" pitchFamily="34" charset="0"/>
               </a:rPr>
               <a:t>Tahap</a:t>
             </a:r>
             <a:r>
-              <a:rPr lang="en-ID" sz="1000" dirty="0" smtClean="0">
+              <a:rPr lang="en-ID" sz="1000" dirty="0">
                 <a:latin typeface="Arial" panose="020B0604020202020204" pitchFamily="34" charset="0"/>
                 <a:cs typeface="Arial" panose="020B0604020202020204" pitchFamily="34" charset="0"/>
               </a:rPr>
@@ -43527,7 +43579,7 @@
               <a:t>keandalan</a:t>
             </a:r>
             <a:r>
-              <a:rPr lang="en-ID" sz="1000" dirty="0" smtClean="0">
+              <a:rPr lang="en-ID" sz="1000" dirty="0">
                 <a:latin typeface="Arial" panose="020B0604020202020204" pitchFamily="34" charset="0"/>
                 <a:cs typeface="Arial" panose="020B0604020202020204" pitchFamily="34" charset="0"/>
               </a:rPr>
@@ -43539,14 +43591,14 @@
               <a:buAutoNum type="arabicPeriod"/>
             </a:pPr>
             <a:r>
-              <a:rPr lang="en-ID" sz="1000" dirty="0" err="1" smtClean="0">
+              <a:rPr lang="en-ID" sz="1000" dirty="0" err="1">
                 <a:latin typeface="Arial" panose="020B0604020202020204" pitchFamily="34" charset="0"/>
                 <a:cs typeface="Arial" panose="020B0604020202020204" pitchFamily="34" charset="0"/>
               </a:rPr>
               <a:t>Tahap</a:t>
             </a:r>
             <a:r>
-              <a:rPr lang="en-ID" sz="1000" dirty="0" smtClean="0">
+              <a:rPr lang="en-ID" sz="1000" dirty="0">
                 <a:latin typeface="Arial" panose="020B0604020202020204" pitchFamily="34" charset="0"/>
                 <a:cs typeface="Arial" panose="020B0604020202020204" pitchFamily="34" charset="0"/>
               </a:rPr>
@@ -43942,14 +43994,7 @@
                 <a:latin typeface="Arial" panose="020B0604020202020204" pitchFamily="34" charset="0"/>
                 <a:cs typeface="Arial" panose="020B0604020202020204" pitchFamily="34" charset="0"/>
               </a:rPr>
-              <a:t> breakout room</a:t>
-            </a:r>
-            <a:r>
-              <a:rPr lang="en-ID" sz="1000" dirty="0" smtClean="0">
-                <a:latin typeface="Arial" panose="020B0604020202020204" pitchFamily="34" charset="0"/>
-                <a:cs typeface="Arial" panose="020B0604020202020204" pitchFamily="34" charset="0"/>
-              </a:rPr>
-              <a:t>.</a:t>
+              <a:t> breakout room.</a:t>
             </a:r>
           </a:p>
           <a:p>
@@ -43957,14 +44002,14 @@
               <a:buAutoNum type="arabicPeriod"/>
             </a:pPr>
             <a:r>
-              <a:rPr lang="en-ID" sz="1000" dirty="0" err="1" smtClean="0">
+              <a:rPr lang="en-ID" sz="1000" dirty="0" err="1">
                 <a:latin typeface="Arial" panose="020B0604020202020204" pitchFamily="34" charset="0"/>
                 <a:cs typeface="Arial" panose="020B0604020202020204" pitchFamily="34" charset="0"/>
               </a:rPr>
               <a:t>Tahap</a:t>
             </a:r>
             <a:r>
-              <a:rPr lang="en-ID" sz="1000" dirty="0" smtClean="0">
+              <a:rPr lang="en-ID" sz="1000" dirty="0">
                 <a:latin typeface="Arial" panose="020B0604020202020204" pitchFamily="34" charset="0"/>
                 <a:cs typeface="Arial" panose="020B0604020202020204" pitchFamily="34" charset="0"/>
               </a:rPr>
@@ -44768,10 +44813,6 @@
               </a:rPr>
               <a:t>.</a:t>
             </a:r>
-            <a:endParaRPr lang="en-ID" sz="1000" dirty="0" smtClean="0">
-              <a:latin typeface="Arial" panose="020B0604020202020204" pitchFamily="34" charset="0"/>
-              <a:cs typeface="Arial" panose="020B0604020202020204" pitchFamily="34" charset="0"/>
-            </a:endParaRPr>
           </a:p>
         </p:txBody>
       </p:sp>
@@ -48999,6 +49040,2001 @@
 </file>
 
 <file path=ppt/slides/slide40.xml><?xml version="1.0" encoding="utf-8"?>
+<p:sld xmlns:a="http://schemas.openxmlformats.org/drawingml/2006/main" xmlns:r="http://schemas.openxmlformats.org/officeDocument/2006/relationships" xmlns:p="http://schemas.openxmlformats.org/presentationml/2006/main">
+  <p:cSld>
+    <p:spTree>
+      <p:nvGrpSpPr>
+        <p:cNvPr id="1" name="Shape 806"/>
+        <p:cNvGrpSpPr/>
+        <p:nvPr/>
+      </p:nvGrpSpPr>
+      <p:grpSpPr>
+        <a:xfrm>
+          <a:off x="0" y="0"/>
+          <a:ext cx="0" cy="0"/>
+          <a:chOff x="0" y="0"/>
+          <a:chExt cx="0" cy="0"/>
+        </a:xfrm>
+      </p:grpSpPr>
+      <p:sp>
+        <p:nvSpPr>
+          <p:cNvPr id="1049136" name="Google Shape;807;p31"/>
+          <p:cNvSpPr txBox="1">
+            <a:spLocks noGrp="1"/>
+          </p:cNvSpPr>
+          <p:nvPr>
+            <p:ph type="title"/>
+          </p:nvPr>
+        </p:nvSpPr>
+        <p:spPr>
+          <a:xfrm>
+            <a:off x="4762937" y="2129900"/>
+            <a:ext cx="3833700" cy="1770300"/>
+          </a:xfrm>
+          <a:prstGeom prst="rect">
+            <a:avLst/>
+          </a:prstGeom>
+        </p:spPr>
+        <p:txBody>
+          <a:bodyPr spcFirstLastPara="1" wrap="square" lIns="91425" tIns="91425" rIns="91425" bIns="91425" anchor="t" anchorCtr="0">
+            <a:noAutofit/>
+          </a:bodyPr>
+          <a:lstStyle/>
+          <a:p>
+            <a:r>
+              <a:rPr lang="en-US" sz="3200" dirty="0">
+                <a:solidFill>
+                  <a:srgbClr val="000000"/>
+                </a:solidFill>
+              </a:rPr>
+              <a:t>Diagram </a:t>
+            </a:r>
+            <a:r>
+              <a:rPr lang="en-US" sz="3200" dirty="0" err="1">
+                <a:solidFill>
+                  <a:srgbClr val="000000"/>
+                </a:solidFill>
+              </a:rPr>
+              <a:t>Konteks</a:t>
+            </a:r>
+            <a:r>
+              <a:rPr lang="en-US" sz="3200" dirty="0">
+                <a:solidFill>
+                  <a:srgbClr val="000000"/>
+                </a:solidFill>
+              </a:rPr>
+              <a:t>, DFD &amp; Kamus Data</a:t>
+            </a:r>
+            <a:endParaRPr sz="2400" dirty="0">
+              <a:solidFill>
+                <a:srgbClr val="FF0000"/>
+              </a:solidFill>
+            </a:endParaRPr>
+          </a:p>
+        </p:txBody>
+      </p:sp>
+      <p:sp>
+        <p:nvSpPr>
+          <p:cNvPr id="1049138" name="Google Shape;808;p31"/>
+          <p:cNvSpPr txBox="1">
+            <a:spLocks noGrp="1"/>
+          </p:cNvSpPr>
+          <p:nvPr>
+            <p:ph type="title" idx="2"/>
+          </p:nvPr>
+        </p:nvSpPr>
+        <p:spPr>
+          <a:xfrm>
+            <a:off x="4949975" y="1243300"/>
+            <a:ext cx="1304700" cy="841800"/>
+          </a:xfrm>
+          <a:prstGeom prst="rect">
+            <a:avLst/>
+          </a:prstGeom>
+        </p:spPr>
+        <p:txBody>
+          <a:bodyPr spcFirstLastPara="1" wrap="square" lIns="91425" tIns="91425" rIns="91425" bIns="91425" anchor="ctr" anchorCtr="0">
+            <a:noAutofit/>
+          </a:bodyPr>
+          <a:lstStyle/>
+          <a:p>
+            <a:pPr marL="0" lvl="0" indent="0" algn="ctr" rtl="0">
+              <a:spcBef>
+                <a:spcPct val="0"/>
+              </a:spcBef>
+              <a:spcAft>
+                <a:spcPct val="0"/>
+              </a:spcAft>
+              <a:buNone/>
+            </a:pPr>
+            <a:r>
+              <a:rPr lang="en-US" dirty="0"/>
+              <a:t>12</a:t>
+            </a:r>
+            <a:endParaRPr dirty="0"/>
+          </a:p>
+        </p:txBody>
+      </p:sp>
+      <p:pic>
+        <p:nvPicPr>
+          <p:cNvPr id="2097246" name="Google Shape;809;p31"/>
+          <p:cNvPicPr preferRelativeResize="0">
+            <a:picLocks noGrp="1"/>
+          </p:cNvPicPr>
+          <p:nvPr>
+            <p:ph type="pic" idx="3"/>
+          </p:nvPr>
+        </p:nvPicPr>
+        <p:blipFill>
+          <a:blip r:embed="rId3">
+            <a:alphaModFix/>
+          </a:blip>
+          <a:srcRect l="23607" t="9304" r="23042" b="9288"/>
+          <a:stretch>
+            <a:fillRect/>
+          </a:stretch>
+        </p:blipFill>
+        <p:spPr>
+          <a:xfrm>
+            <a:off x="724925" y="824000"/>
+            <a:ext cx="3833700" cy="4064400"/>
+          </a:xfrm>
+          <a:prstGeom prst="roundRect">
+            <a:avLst>
+              <a:gd name="adj" fmla="val 4834"/>
+            </a:avLst>
+          </a:prstGeom>
+        </p:spPr>
+      </p:pic>
+      <p:sp>
+        <p:nvSpPr>
+          <p:cNvPr id="1049140" name="Google Shape;810;p31"/>
+          <p:cNvSpPr/>
+          <p:nvPr/>
+        </p:nvSpPr>
+        <p:spPr>
+          <a:xfrm>
+            <a:off x="6107925" y="4612364"/>
+            <a:ext cx="93300" cy="93300"/>
+          </a:xfrm>
+          <a:prstGeom prst="ellipse">
+            <a:avLst/>
+          </a:prstGeom>
+          <a:solidFill>
+            <a:schemeClr val="dk1"/>
+          </a:solidFill>
+          <a:ln w="9525" cap="flat" cmpd="sng">
+            <a:solidFill>
+              <a:schemeClr val="dk1"/>
+            </a:solidFill>
+            <a:prstDash val="solid"/>
+            <a:round/>
+            <a:headEnd type="none" w="sm" len="sm"/>
+            <a:tailEnd type="none" w="sm" len="sm"/>
+          </a:ln>
+        </p:spPr>
+        <p:txBody>
+          <a:bodyPr spcFirstLastPara="1" wrap="square" lIns="91425" tIns="91425" rIns="91425" bIns="91425" anchor="ctr" anchorCtr="0">
+            <a:noAutofit/>
+          </a:bodyPr>
+          <a:lstStyle/>
+          <a:p>
+            <a:pPr marL="0" lvl="0" indent="0" algn="l" rtl="0">
+              <a:spcBef>
+                <a:spcPct val="0"/>
+              </a:spcBef>
+              <a:spcAft>
+                <a:spcPct val="0"/>
+              </a:spcAft>
+              <a:buNone/>
+            </a:pPr>
+            <a:endParaRPr/>
+          </a:p>
+        </p:txBody>
+      </p:sp>
+      <p:sp>
+        <p:nvSpPr>
+          <p:cNvPr id="1049142" name="Google Shape;811;p31"/>
+          <p:cNvSpPr/>
+          <p:nvPr/>
+        </p:nvSpPr>
+        <p:spPr>
+          <a:xfrm>
+            <a:off x="6452675" y="4612364"/>
+            <a:ext cx="93300" cy="93300"/>
+          </a:xfrm>
+          <a:prstGeom prst="ellipse">
+            <a:avLst/>
+          </a:prstGeom>
+          <a:noFill/>
+          <a:ln w="9525" cap="flat" cmpd="sng">
+            <a:solidFill>
+              <a:schemeClr val="dk1"/>
+            </a:solidFill>
+            <a:prstDash val="solid"/>
+            <a:round/>
+            <a:headEnd type="none" w="sm" len="sm"/>
+            <a:tailEnd type="none" w="sm" len="sm"/>
+          </a:ln>
+        </p:spPr>
+        <p:txBody>
+          <a:bodyPr spcFirstLastPara="1" wrap="square" lIns="91425" tIns="91425" rIns="91425" bIns="91425" anchor="ctr" anchorCtr="0">
+            <a:noAutofit/>
+          </a:bodyPr>
+          <a:lstStyle/>
+          <a:p>
+            <a:pPr marL="0" lvl="0" indent="0" algn="l" rtl="0">
+              <a:spcBef>
+                <a:spcPct val="0"/>
+              </a:spcBef>
+              <a:spcAft>
+                <a:spcPct val="0"/>
+              </a:spcAft>
+              <a:buNone/>
+            </a:pPr>
+            <a:endParaRPr/>
+          </a:p>
+        </p:txBody>
+      </p:sp>
+      <p:sp>
+        <p:nvSpPr>
+          <p:cNvPr id="1049144" name="Google Shape;812;p31"/>
+          <p:cNvSpPr/>
+          <p:nvPr/>
+        </p:nvSpPr>
+        <p:spPr>
+          <a:xfrm>
+            <a:off x="6797425" y="4612364"/>
+            <a:ext cx="93300" cy="93300"/>
+          </a:xfrm>
+          <a:prstGeom prst="ellipse">
+            <a:avLst/>
+          </a:prstGeom>
+          <a:noFill/>
+          <a:ln w="9525" cap="flat" cmpd="sng">
+            <a:solidFill>
+              <a:schemeClr val="dk1"/>
+            </a:solidFill>
+            <a:prstDash val="solid"/>
+            <a:round/>
+            <a:headEnd type="none" w="sm" len="sm"/>
+            <a:tailEnd type="none" w="sm" len="sm"/>
+          </a:ln>
+        </p:spPr>
+        <p:txBody>
+          <a:bodyPr spcFirstLastPara="1" wrap="square" lIns="91425" tIns="91425" rIns="91425" bIns="91425" anchor="ctr" anchorCtr="0">
+            <a:noAutofit/>
+          </a:bodyPr>
+          <a:lstStyle/>
+          <a:p>
+            <a:pPr marL="0" lvl="0" indent="0" algn="l" rtl="0">
+              <a:spcBef>
+                <a:spcPct val="0"/>
+              </a:spcBef>
+              <a:spcAft>
+                <a:spcPct val="0"/>
+              </a:spcAft>
+              <a:buNone/>
+            </a:pPr>
+            <a:endParaRPr/>
+          </a:p>
+        </p:txBody>
+      </p:sp>
+    </p:spTree>
+    <p:extLst>
+      <p:ext uri="{BB962C8B-B14F-4D97-AF65-F5344CB8AC3E}">
+        <p14:creationId xmlns:p14="http://schemas.microsoft.com/office/powerpoint/2010/main" val="1207442232"/>
+      </p:ext>
+    </p:extLst>
+  </p:cSld>
+  <p:clrMapOvr>
+    <a:masterClrMapping/>
+  </p:clrMapOvr>
+  <p:transition spd="slow"/>
+</p:sld>
+</file>
+
+<file path=ppt/slides/slide41.xml><?xml version="1.0" encoding="utf-8"?>
+<p:sld xmlns:a="http://schemas.openxmlformats.org/drawingml/2006/main" xmlns:r="http://schemas.openxmlformats.org/officeDocument/2006/relationships" xmlns:p="http://schemas.openxmlformats.org/presentationml/2006/main">
+  <p:cSld>
+    <p:spTree>
+      <p:nvGrpSpPr>
+        <p:cNvPr id="1" name=""/>
+        <p:cNvGrpSpPr/>
+        <p:nvPr/>
+      </p:nvGrpSpPr>
+      <p:grpSpPr>
+        <a:xfrm>
+          <a:off x="0" y="0"/>
+          <a:ext cx="0" cy="0"/>
+          <a:chOff x="0" y="0"/>
+          <a:chExt cx="0" cy="0"/>
+        </a:xfrm>
+      </p:grpSpPr>
+      <p:sp>
+        <p:nvSpPr>
+          <p:cNvPr id="4" name="TextBox 3">
+            <a:extLst>
+              <a:ext uri="{FF2B5EF4-FFF2-40B4-BE49-F238E27FC236}">
+                <a16:creationId xmlns:a16="http://schemas.microsoft.com/office/drawing/2014/main" id="{8C960AEA-43FB-D5A0-7A89-3817530772F8}"/>
+              </a:ext>
+            </a:extLst>
+          </p:cNvPr>
+          <p:cNvSpPr txBox="1"/>
+          <p:nvPr/>
+        </p:nvSpPr>
+        <p:spPr>
+          <a:xfrm>
+            <a:off x="1998705" y="662315"/>
+            <a:ext cx="5146588" cy="369332"/>
+          </a:xfrm>
+          <a:prstGeom prst="rect">
+            <a:avLst/>
+          </a:prstGeom>
+          <a:noFill/>
+        </p:spPr>
+        <p:txBody>
+          <a:bodyPr wrap="square">
+            <a:spAutoFit/>
+          </a:bodyPr>
+          <a:lstStyle/>
+          <a:p>
+            <a:pPr lvl="0" algn="ctr"/>
+            <a:r>
+              <a:rPr lang="en-US" sz="1800" b="1" dirty="0">
+                <a:latin typeface="Arial" panose="020B0604020202020204" pitchFamily="34" charset="0"/>
+                <a:cs typeface="Arial" panose="020B0604020202020204" pitchFamily="34" charset="0"/>
+              </a:rPr>
+              <a:t>Diagram </a:t>
+            </a:r>
+            <a:r>
+              <a:rPr lang="en-US" sz="1800" b="1" dirty="0" err="1">
+                <a:latin typeface="Arial" panose="020B0604020202020204" pitchFamily="34" charset="0"/>
+                <a:cs typeface="Arial" panose="020B0604020202020204" pitchFamily="34" charset="0"/>
+              </a:rPr>
+              <a:t>Konteks</a:t>
+            </a:r>
+            <a:r>
+              <a:rPr lang="en-US" sz="1800" b="1" dirty="0">
+                <a:latin typeface="Arial" panose="020B0604020202020204" pitchFamily="34" charset="0"/>
+                <a:cs typeface="Arial" panose="020B0604020202020204" pitchFamily="34" charset="0"/>
+              </a:rPr>
+              <a:t> </a:t>
+            </a:r>
+            <a:endParaRPr lang="en-ID" sz="1800" b="1" dirty="0">
+              <a:latin typeface="Arial" panose="020B0604020202020204" pitchFamily="34" charset="0"/>
+              <a:cs typeface="Arial" panose="020B0604020202020204" pitchFamily="34" charset="0"/>
+            </a:endParaRPr>
+          </a:p>
+        </p:txBody>
+      </p:sp>
+      <p:pic>
+        <p:nvPicPr>
+          <p:cNvPr id="6" name="Picture 5">
+            <a:extLst>
+              <a:ext uri="{FF2B5EF4-FFF2-40B4-BE49-F238E27FC236}">
+                <a16:creationId xmlns:a16="http://schemas.microsoft.com/office/drawing/2014/main" id="{AF88D114-9B25-F562-57F5-C505E74EA95A}"/>
+              </a:ext>
+            </a:extLst>
+          </p:cNvPr>
+          <p:cNvPicPr>
+            <a:picLocks noChangeAspect="1"/>
+          </p:cNvPicPr>
+          <p:nvPr/>
+        </p:nvPicPr>
+        <p:blipFill>
+          <a:blip r:embed="rId2"/>
+          <a:stretch>
+            <a:fillRect/>
+          </a:stretch>
+        </p:blipFill>
+        <p:spPr>
+          <a:xfrm>
+            <a:off x="1423987" y="1990725"/>
+            <a:ext cx="6296025" cy="1162050"/>
+          </a:xfrm>
+          <a:prstGeom prst="rect">
+            <a:avLst/>
+          </a:prstGeom>
+        </p:spPr>
+      </p:pic>
+    </p:spTree>
+    <p:extLst>
+      <p:ext uri="{BB962C8B-B14F-4D97-AF65-F5344CB8AC3E}">
+        <p14:creationId xmlns:p14="http://schemas.microsoft.com/office/powerpoint/2010/main" val="3880643628"/>
+      </p:ext>
+    </p:extLst>
+  </p:cSld>
+  <p:clrMapOvr>
+    <a:masterClrMapping/>
+  </p:clrMapOvr>
+  <p:transition spd="slow"/>
+</p:sld>
+</file>
+
+<file path=ppt/slides/slide42.xml><?xml version="1.0" encoding="utf-8"?>
+<p:sld xmlns:a="http://schemas.openxmlformats.org/drawingml/2006/main" xmlns:r="http://schemas.openxmlformats.org/officeDocument/2006/relationships" xmlns:p="http://schemas.openxmlformats.org/presentationml/2006/main">
+  <p:cSld>
+    <p:spTree>
+      <p:nvGrpSpPr>
+        <p:cNvPr id="1" name=""/>
+        <p:cNvGrpSpPr/>
+        <p:nvPr/>
+      </p:nvGrpSpPr>
+      <p:grpSpPr>
+        <a:xfrm>
+          <a:off x="0" y="0"/>
+          <a:ext cx="0" cy="0"/>
+          <a:chOff x="0" y="0"/>
+          <a:chExt cx="0" cy="0"/>
+        </a:xfrm>
+      </p:grpSpPr>
+      <p:sp>
+        <p:nvSpPr>
+          <p:cNvPr id="4" name="TextBox 3">
+            <a:extLst>
+              <a:ext uri="{FF2B5EF4-FFF2-40B4-BE49-F238E27FC236}">
+                <a16:creationId xmlns:a16="http://schemas.microsoft.com/office/drawing/2014/main" id="{8C960AEA-43FB-D5A0-7A89-3817530772F8}"/>
+              </a:ext>
+            </a:extLst>
+          </p:cNvPr>
+          <p:cNvSpPr txBox="1"/>
+          <p:nvPr/>
+        </p:nvSpPr>
+        <p:spPr>
+          <a:xfrm>
+            <a:off x="1998705" y="662315"/>
+            <a:ext cx="5146588" cy="369332"/>
+          </a:xfrm>
+          <a:prstGeom prst="rect">
+            <a:avLst/>
+          </a:prstGeom>
+          <a:noFill/>
+        </p:spPr>
+        <p:txBody>
+          <a:bodyPr wrap="square">
+            <a:spAutoFit/>
+          </a:bodyPr>
+          <a:lstStyle/>
+          <a:p>
+            <a:pPr lvl="0" algn="ctr"/>
+            <a:r>
+              <a:rPr lang="en-US" sz="1800" b="1" dirty="0">
+                <a:latin typeface="Arial" panose="020B0604020202020204" pitchFamily="34" charset="0"/>
+                <a:cs typeface="Arial" panose="020B0604020202020204" pitchFamily="34" charset="0"/>
+              </a:rPr>
+              <a:t>DFD LV 1</a:t>
+            </a:r>
+            <a:endParaRPr lang="en-ID" sz="1800" b="1" dirty="0">
+              <a:latin typeface="Arial" panose="020B0604020202020204" pitchFamily="34" charset="0"/>
+              <a:cs typeface="Arial" panose="020B0604020202020204" pitchFamily="34" charset="0"/>
+            </a:endParaRPr>
+          </a:p>
+        </p:txBody>
+      </p:sp>
+      <p:pic>
+        <p:nvPicPr>
+          <p:cNvPr id="3" name="Picture 2">
+            <a:extLst>
+              <a:ext uri="{FF2B5EF4-FFF2-40B4-BE49-F238E27FC236}">
+                <a16:creationId xmlns:a16="http://schemas.microsoft.com/office/drawing/2014/main" id="{9D872409-64D3-BDDD-13BE-105AE25B5B24}"/>
+              </a:ext>
+            </a:extLst>
+          </p:cNvPr>
+          <p:cNvPicPr>
+            <a:picLocks noChangeAspect="1"/>
+          </p:cNvPicPr>
+          <p:nvPr/>
+        </p:nvPicPr>
+        <p:blipFill>
+          <a:blip r:embed="rId2"/>
+          <a:stretch>
+            <a:fillRect/>
+          </a:stretch>
+        </p:blipFill>
+        <p:spPr>
+          <a:xfrm>
+            <a:off x="599689" y="1119741"/>
+            <a:ext cx="7944622" cy="3545320"/>
+          </a:xfrm>
+          <a:prstGeom prst="rect">
+            <a:avLst/>
+          </a:prstGeom>
+        </p:spPr>
+      </p:pic>
+    </p:spTree>
+    <p:extLst>
+      <p:ext uri="{BB962C8B-B14F-4D97-AF65-F5344CB8AC3E}">
+        <p14:creationId xmlns:p14="http://schemas.microsoft.com/office/powerpoint/2010/main" val="1796348578"/>
+      </p:ext>
+    </p:extLst>
+  </p:cSld>
+  <p:clrMapOvr>
+    <a:masterClrMapping/>
+  </p:clrMapOvr>
+  <p:transition spd="slow"/>
+</p:sld>
+</file>
+
+<file path=ppt/slides/slide43.xml><?xml version="1.0" encoding="utf-8"?>
+<p:sld xmlns:a="http://schemas.openxmlformats.org/drawingml/2006/main" xmlns:r="http://schemas.openxmlformats.org/officeDocument/2006/relationships" xmlns:p="http://schemas.openxmlformats.org/presentationml/2006/main">
+  <p:cSld>
+    <p:spTree>
+      <p:nvGrpSpPr>
+        <p:cNvPr id="1" name=""/>
+        <p:cNvGrpSpPr/>
+        <p:nvPr/>
+      </p:nvGrpSpPr>
+      <p:grpSpPr>
+        <a:xfrm>
+          <a:off x="0" y="0"/>
+          <a:ext cx="0" cy="0"/>
+          <a:chOff x="0" y="0"/>
+          <a:chExt cx="0" cy="0"/>
+        </a:xfrm>
+      </p:grpSpPr>
+      <p:sp>
+        <p:nvSpPr>
+          <p:cNvPr id="4" name="TextBox 3">
+            <a:extLst>
+              <a:ext uri="{FF2B5EF4-FFF2-40B4-BE49-F238E27FC236}">
+                <a16:creationId xmlns:a16="http://schemas.microsoft.com/office/drawing/2014/main" id="{8C960AEA-43FB-D5A0-7A89-3817530772F8}"/>
+              </a:ext>
+            </a:extLst>
+          </p:cNvPr>
+          <p:cNvSpPr txBox="1"/>
+          <p:nvPr/>
+        </p:nvSpPr>
+        <p:spPr>
+          <a:xfrm>
+            <a:off x="1998705" y="662315"/>
+            <a:ext cx="5146588" cy="369332"/>
+          </a:xfrm>
+          <a:prstGeom prst="rect">
+            <a:avLst/>
+          </a:prstGeom>
+          <a:noFill/>
+        </p:spPr>
+        <p:txBody>
+          <a:bodyPr wrap="square">
+            <a:spAutoFit/>
+          </a:bodyPr>
+          <a:lstStyle/>
+          <a:p>
+            <a:pPr lvl="0" algn="ctr"/>
+            <a:r>
+              <a:rPr lang="en-US" sz="1800" b="1" dirty="0">
+                <a:latin typeface="Arial" panose="020B0604020202020204" pitchFamily="34" charset="0"/>
+                <a:cs typeface="Arial" panose="020B0604020202020204" pitchFamily="34" charset="0"/>
+              </a:rPr>
+              <a:t>KAMUS DATA</a:t>
+            </a:r>
+            <a:endParaRPr lang="en-ID" sz="1800" b="1" dirty="0">
+              <a:latin typeface="Arial" panose="020B0604020202020204" pitchFamily="34" charset="0"/>
+              <a:cs typeface="Arial" panose="020B0604020202020204" pitchFamily="34" charset="0"/>
+            </a:endParaRPr>
+          </a:p>
+        </p:txBody>
+      </p:sp>
+      <p:sp>
+        <p:nvSpPr>
+          <p:cNvPr id="5" name="TextBox 4">
+            <a:extLst>
+              <a:ext uri="{FF2B5EF4-FFF2-40B4-BE49-F238E27FC236}">
+                <a16:creationId xmlns:a16="http://schemas.microsoft.com/office/drawing/2014/main" id="{6E2C6E4C-C431-4D6F-B955-5BB571B04E1C}"/>
+              </a:ext>
+            </a:extLst>
+          </p:cNvPr>
+          <p:cNvSpPr txBox="1"/>
+          <p:nvPr/>
+        </p:nvSpPr>
+        <p:spPr>
+          <a:xfrm>
+            <a:off x="1000248" y="1223498"/>
+            <a:ext cx="7315625" cy="3416320"/>
+          </a:xfrm>
+          <a:prstGeom prst="rect">
+            <a:avLst/>
+          </a:prstGeom>
+          <a:noFill/>
+        </p:spPr>
+        <p:txBody>
+          <a:bodyPr wrap="square">
+            <a:spAutoFit/>
+          </a:bodyPr>
+          <a:lstStyle/>
+          <a:p>
+            <a:pPr algn="just"/>
+            <a:r>
+              <a:rPr lang="en-US" sz="1200" dirty="0" err="1"/>
+              <a:t>Berikut</a:t>
+            </a:r>
+            <a:r>
+              <a:rPr lang="en-US" sz="1200" dirty="0"/>
+              <a:t> </a:t>
+            </a:r>
+            <a:r>
+              <a:rPr lang="en-US" sz="1200" dirty="0" err="1"/>
+              <a:t>adalah</a:t>
+            </a:r>
+            <a:r>
+              <a:rPr lang="en-US" sz="1200" dirty="0"/>
+              <a:t> </a:t>
+            </a:r>
+            <a:r>
+              <a:rPr lang="en-US" sz="1200" dirty="0" err="1"/>
+              <a:t>kamus</a:t>
+            </a:r>
+            <a:r>
+              <a:rPr lang="en-US" sz="1200" dirty="0"/>
+              <a:t> data </a:t>
+            </a:r>
+            <a:r>
+              <a:rPr lang="en-US" sz="1200" dirty="0" err="1"/>
+              <a:t>untuk</a:t>
+            </a:r>
+            <a:r>
+              <a:rPr lang="en-US" sz="1200" dirty="0"/>
+              <a:t> </a:t>
+            </a:r>
+            <a:r>
+              <a:rPr lang="en-US" sz="1200" dirty="0" err="1"/>
+              <a:t>penambahan</a:t>
+            </a:r>
+            <a:r>
+              <a:rPr lang="en-US" sz="1200" dirty="0"/>
+              <a:t> </a:t>
+            </a:r>
+            <a:r>
+              <a:rPr lang="en-US" sz="1200" dirty="0" err="1"/>
+              <a:t>fitur</a:t>
+            </a:r>
+            <a:r>
+              <a:rPr lang="en-US" sz="1200" dirty="0"/>
+              <a:t> "Breakout Room" </a:t>
+            </a:r>
+            <a:r>
+              <a:rPr lang="en-US" sz="1200" dirty="0" err="1"/>
+              <a:t>dalam</a:t>
+            </a:r>
+            <a:r>
+              <a:rPr lang="en-US" sz="1200" dirty="0"/>
+              <a:t> </a:t>
+            </a:r>
+            <a:r>
+              <a:rPr lang="en-US" sz="1200" dirty="0" err="1"/>
+              <a:t>aplikasi</a:t>
+            </a:r>
+            <a:r>
+              <a:rPr lang="en-US" sz="1200" dirty="0"/>
+              <a:t> Google Meet:</a:t>
+            </a:r>
+            <a:endParaRPr lang="en-ID" sz="1200" dirty="0"/>
+          </a:p>
+          <a:p>
+            <a:pPr algn="just"/>
+            <a:r>
+              <a:rPr lang="en-US" sz="1200" dirty="0"/>
+              <a:t> </a:t>
+            </a:r>
+            <a:endParaRPr lang="en-ID" sz="1200" dirty="0"/>
+          </a:p>
+          <a:p>
+            <a:pPr marL="228600" lvl="0" indent="-228600" algn="just">
+              <a:buFont typeface="+mj-lt"/>
+              <a:buAutoNum type="arabicPeriod"/>
+            </a:pPr>
+            <a:r>
+              <a:rPr lang="en-US" sz="1200" dirty="0" err="1"/>
+              <a:t>Entitas</a:t>
+            </a:r>
+            <a:r>
+              <a:rPr lang="en-US" sz="1200" dirty="0"/>
+              <a:t> (Entities):</a:t>
+            </a:r>
+            <a:endParaRPr lang="en-ID" sz="1200" dirty="0"/>
+          </a:p>
+          <a:p>
+            <a:pPr marL="228600" lvl="1" indent="-228600" algn="just">
+              <a:buFont typeface="+mj-lt"/>
+              <a:buAutoNum type="alphaLcParenR"/>
+            </a:pPr>
+            <a:r>
+              <a:rPr lang="en-US" sz="1200" dirty="0"/>
+              <a:t>Meeting (</a:t>
+            </a:r>
+            <a:r>
+              <a:rPr lang="en-US" sz="1200" dirty="0" err="1"/>
+              <a:t>Pertemuan</a:t>
+            </a:r>
+            <a:r>
+              <a:rPr lang="en-US" sz="1200" dirty="0"/>
+              <a:t>): </a:t>
+            </a:r>
+            <a:r>
+              <a:rPr lang="en-US" sz="1200" dirty="0" err="1"/>
+              <a:t>Merepresentasikan</a:t>
+            </a:r>
+            <a:r>
+              <a:rPr lang="en-US" sz="1200" dirty="0"/>
+              <a:t> </a:t>
+            </a:r>
+            <a:r>
+              <a:rPr lang="en-US" sz="1200" dirty="0" err="1"/>
+              <a:t>sebuah</a:t>
+            </a:r>
+            <a:r>
+              <a:rPr lang="en-US" sz="1200" dirty="0"/>
+              <a:t> </a:t>
+            </a:r>
+            <a:r>
+              <a:rPr lang="en-US" sz="1200" dirty="0" err="1"/>
+              <a:t>sesi</a:t>
+            </a:r>
+            <a:r>
+              <a:rPr lang="en-US" sz="1200" dirty="0"/>
+              <a:t> </a:t>
+            </a:r>
+            <a:r>
+              <a:rPr lang="en-US" sz="1200" dirty="0" err="1"/>
+              <a:t>atau</a:t>
+            </a:r>
+            <a:r>
+              <a:rPr lang="en-US" sz="1200" dirty="0"/>
+              <a:t> </a:t>
+            </a:r>
+            <a:r>
+              <a:rPr lang="en-US" sz="1200" dirty="0" err="1"/>
+              <a:t>pertemuan</a:t>
+            </a:r>
+            <a:r>
+              <a:rPr lang="en-US" sz="1200" dirty="0"/>
+              <a:t> </a:t>
+            </a:r>
+            <a:r>
+              <a:rPr lang="en-US" sz="1200" dirty="0" err="1"/>
+              <a:t>dalam</a:t>
+            </a:r>
+            <a:r>
+              <a:rPr lang="en-US" sz="1200" dirty="0"/>
+              <a:t> </a:t>
+            </a:r>
+            <a:r>
+              <a:rPr lang="en-US" sz="1200" dirty="0" err="1"/>
+              <a:t>aplikasi</a:t>
+            </a:r>
+            <a:r>
+              <a:rPr lang="en-US" sz="1200" dirty="0"/>
+              <a:t> Google Meet.</a:t>
+            </a:r>
+            <a:endParaRPr lang="en-ID" sz="1200" dirty="0"/>
+          </a:p>
+          <a:p>
+            <a:pPr marL="228600" lvl="1" indent="-228600" algn="just">
+              <a:buFont typeface="+mj-lt"/>
+              <a:buAutoNum type="alphaLcParenR"/>
+            </a:pPr>
+            <a:r>
+              <a:rPr lang="en-US" sz="1200" dirty="0"/>
+              <a:t>Participant (</a:t>
+            </a:r>
+            <a:r>
+              <a:rPr lang="en-US" sz="1200" dirty="0" err="1"/>
+              <a:t>Peserta</a:t>
+            </a:r>
+            <a:r>
+              <a:rPr lang="en-US" sz="1200" dirty="0"/>
+              <a:t>): </a:t>
+            </a:r>
+            <a:r>
+              <a:rPr lang="en-US" sz="1200" dirty="0" err="1"/>
+              <a:t>Merepresentasikan</a:t>
+            </a:r>
+            <a:r>
+              <a:rPr lang="en-US" sz="1200" dirty="0"/>
+              <a:t> </a:t>
+            </a:r>
+            <a:r>
+              <a:rPr lang="en-US" sz="1200" dirty="0" err="1"/>
+              <a:t>individu</a:t>
+            </a:r>
+            <a:r>
+              <a:rPr lang="en-US" sz="1200" dirty="0"/>
+              <a:t> yang </a:t>
+            </a:r>
+            <a:r>
+              <a:rPr lang="en-US" sz="1200" dirty="0" err="1"/>
+              <a:t>terlibat</a:t>
+            </a:r>
+            <a:r>
+              <a:rPr lang="en-US" sz="1200" dirty="0"/>
+              <a:t> </a:t>
+            </a:r>
+            <a:r>
+              <a:rPr lang="en-US" sz="1200" dirty="0" err="1"/>
+              <a:t>dalam</a:t>
+            </a:r>
+            <a:r>
+              <a:rPr lang="en-US" sz="1200" dirty="0"/>
+              <a:t> </a:t>
+            </a:r>
+            <a:r>
+              <a:rPr lang="en-US" sz="1200" dirty="0" err="1"/>
+              <a:t>sebuah</a:t>
+            </a:r>
+            <a:r>
+              <a:rPr lang="en-US" sz="1200" dirty="0"/>
+              <a:t> </a:t>
+            </a:r>
+            <a:r>
+              <a:rPr lang="en-US" sz="1200" dirty="0" err="1"/>
+              <a:t>pertemuan</a:t>
+            </a:r>
+            <a:r>
+              <a:rPr lang="en-US" sz="1200" dirty="0"/>
+              <a:t>.</a:t>
+            </a:r>
+            <a:endParaRPr lang="en-ID" sz="1200" dirty="0"/>
+          </a:p>
+          <a:p>
+            <a:pPr marL="228600" lvl="1" indent="-228600" algn="just">
+              <a:buFont typeface="+mj-lt"/>
+              <a:buAutoNum type="alphaLcParenR"/>
+            </a:pPr>
+            <a:r>
+              <a:rPr lang="en-US" sz="1200" dirty="0"/>
+              <a:t>Breakout Room (</a:t>
+            </a:r>
+            <a:r>
+              <a:rPr lang="en-US" sz="1200" dirty="0" err="1"/>
+              <a:t>Ruang</a:t>
+            </a:r>
+            <a:r>
+              <a:rPr lang="en-US" sz="1200" dirty="0"/>
+              <a:t> </a:t>
+            </a:r>
+            <a:r>
+              <a:rPr lang="en-US" sz="1200" dirty="0" err="1"/>
+              <a:t>Pembagian</a:t>
+            </a:r>
+            <a:r>
+              <a:rPr lang="en-US" sz="1200" dirty="0"/>
+              <a:t> </a:t>
+            </a:r>
+            <a:r>
+              <a:rPr lang="en-US" sz="1200" dirty="0" err="1"/>
+              <a:t>Kelompok</a:t>
+            </a:r>
+            <a:r>
+              <a:rPr lang="en-US" sz="1200" dirty="0"/>
+              <a:t>): </a:t>
+            </a:r>
+            <a:r>
+              <a:rPr lang="en-US" sz="1200" dirty="0" err="1"/>
+              <a:t>Merepresentasikan</a:t>
+            </a:r>
+            <a:r>
+              <a:rPr lang="en-US" sz="1200" dirty="0"/>
+              <a:t> </a:t>
+            </a:r>
+            <a:r>
+              <a:rPr lang="en-US" sz="1200" dirty="0" err="1"/>
+              <a:t>ruang</a:t>
+            </a:r>
+            <a:r>
+              <a:rPr lang="en-US" sz="1200" dirty="0"/>
+              <a:t> </a:t>
+            </a:r>
+            <a:r>
+              <a:rPr lang="en-US" sz="1200" dirty="0" err="1"/>
+              <a:t>tambahan</a:t>
+            </a:r>
+            <a:r>
+              <a:rPr lang="en-US" sz="1200" dirty="0"/>
+              <a:t> yang </a:t>
+            </a:r>
+            <a:r>
+              <a:rPr lang="en-US" sz="1200" dirty="0" err="1"/>
+              <a:t>dibuat</a:t>
+            </a:r>
+            <a:r>
+              <a:rPr lang="en-US" sz="1200" dirty="0"/>
+              <a:t> </a:t>
+            </a:r>
+            <a:r>
+              <a:rPr lang="en-US" sz="1200" dirty="0" err="1"/>
+              <a:t>dalam</a:t>
+            </a:r>
+            <a:r>
+              <a:rPr lang="en-US" sz="1200" dirty="0"/>
+              <a:t> </a:t>
+            </a:r>
+            <a:r>
+              <a:rPr lang="en-US" sz="1200" dirty="0" err="1"/>
+              <a:t>pertemuan</a:t>
+            </a:r>
+            <a:r>
+              <a:rPr lang="en-US" sz="1200" dirty="0"/>
+              <a:t> </a:t>
+            </a:r>
+            <a:r>
+              <a:rPr lang="en-US" sz="1200" dirty="0" err="1"/>
+              <a:t>utama</a:t>
+            </a:r>
+            <a:r>
+              <a:rPr lang="en-US" sz="1200" dirty="0"/>
+              <a:t>.</a:t>
+            </a:r>
+            <a:endParaRPr lang="en-ID" sz="1200" dirty="0"/>
+          </a:p>
+          <a:p>
+            <a:pPr algn="just"/>
+            <a:r>
+              <a:rPr lang="en-US" sz="1200" dirty="0"/>
+              <a:t> </a:t>
+            </a:r>
+            <a:endParaRPr lang="en-ID" sz="1200" dirty="0"/>
+          </a:p>
+          <a:p>
+            <a:pPr marL="228600" lvl="0" indent="-228600" algn="just">
+              <a:buFont typeface="+mj-lt"/>
+              <a:buAutoNum type="arabicPeriod" startAt="2"/>
+            </a:pPr>
+            <a:r>
+              <a:rPr lang="en-US" sz="1200" dirty="0" err="1"/>
+              <a:t>Atribut</a:t>
+            </a:r>
+            <a:r>
+              <a:rPr lang="en-US" sz="1200" dirty="0"/>
+              <a:t> (Attributes):</a:t>
+            </a:r>
+            <a:endParaRPr lang="en-ID" sz="1200" dirty="0"/>
+          </a:p>
+          <a:p>
+            <a:pPr marL="228600" lvl="0" indent="-228600" algn="just">
+              <a:buFont typeface="+mj-lt"/>
+              <a:buAutoNum type="alphaLcParenR"/>
+            </a:pPr>
+            <a:r>
+              <a:rPr lang="en-US" sz="1200" dirty="0"/>
+              <a:t>Meeting ID (ID </a:t>
+            </a:r>
+            <a:r>
+              <a:rPr lang="en-US" sz="1200" dirty="0" err="1"/>
+              <a:t>Pertemuan</a:t>
+            </a:r>
+            <a:r>
+              <a:rPr lang="en-US" sz="1200" dirty="0"/>
+              <a:t>): </a:t>
+            </a:r>
+            <a:r>
+              <a:rPr lang="en-US" sz="1200" dirty="0" err="1"/>
+              <a:t>Sebuah</a:t>
+            </a:r>
+            <a:r>
+              <a:rPr lang="en-US" sz="1200" dirty="0"/>
+              <a:t> identifier </a:t>
+            </a:r>
+            <a:r>
+              <a:rPr lang="en-US" sz="1200" dirty="0" err="1"/>
+              <a:t>unik</a:t>
+            </a:r>
+            <a:r>
+              <a:rPr lang="en-US" sz="1200" dirty="0"/>
+              <a:t> </a:t>
+            </a:r>
+            <a:r>
+              <a:rPr lang="en-US" sz="1200" dirty="0" err="1"/>
+              <a:t>untuk</a:t>
+            </a:r>
+            <a:r>
+              <a:rPr lang="en-US" sz="1200" dirty="0"/>
+              <a:t> </a:t>
+            </a:r>
+            <a:r>
+              <a:rPr lang="en-US" sz="1200" dirty="0" err="1"/>
+              <a:t>setiap</a:t>
+            </a:r>
+            <a:r>
+              <a:rPr lang="en-US" sz="1200" dirty="0"/>
+              <a:t> </a:t>
+            </a:r>
+            <a:r>
+              <a:rPr lang="en-US" sz="1200" dirty="0" err="1"/>
+              <a:t>pertemuan</a:t>
+            </a:r>
+            <a:r>
+              <a:rPr lang="en-US" sz="1200" dirty="0"/>
+              <a:t>.</a:t>
+            </a:r>
+            <a:endParaRPr lang="en-ID" sz="1200" dirty="0"/>
+          </a:p>
+          <a:p>
+            <a:pPr marL="228600" lvl="0" indent="-228600" algn="just">
+              <a:buFont typeface="+mj-lt"/>
+              <a:buAutoNum type="alphaLcParenR"/>
+            </a:pPr>
+            <a:r>
+              <a:rPr lang="en-US" sz="1200" dirty="0"/>
+              <a:t>Participant ID (ID </a:t>
+            </a:r>
+            <a:r>
+              <a:rPr lang="en-US" sz="1200" dirty="0" err="1"/>
+              <a:t>Peserta</a:t>
+            </a:r>
+            <a:r>
+              <a:rPr lang="en-US" sz="1200" dirty="0"/>
+              <a:t>): Identifier </a:t>
+            </a:r>
+            <a:r>
+              <a:rPr lang="en-US" sz="1200" dirty="0" err="1"/>
+              <a:t>unik</a:t>
+            </a:r>
+            <a:r>
+              <a:rPr lang="en-US" sz="1200" dirty="0"/>
+              <a:t> </a:t>
+            </a:r>
+            <a:r>
+              <a:rPr lang="en-US" sz="1200" dirty="0" err="1"/>
+              <a:t>untuk</a:t>
+            </a:r>
+            <a:r>
+              <a:rPr lang="en-US" sz="1200" dirty="0"/>
+              <a:t> </a:t>
+            </a:r>
+            <a:r>
+              <a:rPr lang="en-US" sz="1200" dirty="0" err="1"/>
+              <a:t>setiap</a:t>
+            </a:r>
+            <a:r>
+              <a:rPr lang="en-US" sz="1200" dirty="0"/>
+              <a:t> </a:t>
+            </a:r>
+            <a:r>
+              <a:rPr lang="en-US" sz="1200" dirty="0" err="1"/>
+              <a:t>peserta</a:t>
+            </a:r>
+            <a:r>
+              <a:rPr lang="en-US" sz="1200" dirty="0"/>
+              <a:t> </a:t>
+            </a:r>
+            <a:r>
+              <a:rPr lang="en-US" sz="1200" dirty="0" err="1"/>
+              <a:t>dalam</a:t>
+            </a:r>
+            <a:r>
+              <a:rPr lang="en-US" sz="1200" dirty="0"/>
+              <a:t> </a:t>
+            </a:r>
+            <a:r>
+              <a:rPr lang="en-US" sz="1200" dirty="0" err="1"/>
+              <a:t>pertemuan</a:t>
+            </a:r>
+            <a:r>
+              <a:rPr lang="en-US" sz="1200" dirty="0"/>
+              <a:t>.</a:t>
+            </a:r>
+            <a:endParaRPr lang="en-ID" sz="1200" dirty="0"/>
+          </a:p>
+          <a:p>
+            <a:pPr marL="228600" lvl="0" indent="-228600" algn="just">
+              <a:buFont typeface="+mj-lt"/>
+              <a:buAutoNum type="alphaLcParenR"/>
+            </a:pPr>
+            <a:r>
+              <a:rPr lang="en-US" sz="1200" dirty="0"/>
+              <a:t>Breakout Room ID (ID </a:t>
+            </a:r>
+            <a:r>
+              <a:rPr lang="en-US" sz="1200" dirty="0" err="1"/>
+              <a:t>Ruang</a:t>
+            </a:r>
+            <a:r>
+              <a:rPr lang="en-US" sz="1200" dirty="0"/>
+              <a:t> </a:t>
+            </a:r>
+            <a:r>
+              <a:rPr lang="en-US" sz="1200" dirty="0" err="1"/>
+              <a:t>Pembagian</a:t>
+            </a:r>
+            <a:r>
+              <a:rPr lang="en-US" sz="1200" dirty="0"/>
+              <a:t> </a:t>
+            </a:r>
+            <a:r>
+              <a:rPr lang="en-US" sz="1200" dirty="0" err="1"/>
+              <a:t>Kelompok</a:t>
+            </a:r>
+            <a:r>
+              <a:rPr lang="en-US" sz="1200" dirty="0"/>
+              <a:t>): Identifier </a:t>
+            </a:r>
+            <a:r>
+              <a:rPr lang="en-US" sz="1200" dirty="0" err="1"/>
+              <a:t>unik</a:t>
+            </a:r>
+            <a:r>
+              <a:rPr lang="en-US" sz="1200" dirty="0"/>
+              <a:t> </a:t>
+            </a:r>
+            <a:r>
+              <a:rPr lang="en-US" sz="1200" dirty="0" err="1"/>
+              <a:t>untuk</a:t>
+            </a:r>
+            <a:r>
+              <a:rPr lang="en-US" sz="1200" dirty="0"/>
+              <a:t> </a:t>
+            </a:r>
+            <a:r>
+              <a:rPr lang="en-US" sz="1200" dirty="0" err="1"/>
+              <a:t>setiap</a:t>
+            </a:r>
+            <a:r>
+              <a:rPr lang="en-US" sz="1200" dirty="0"/>
+              <a:t> </a:t>
+            </a:r>
+            <a:r>
+              <a:rPr lang="en-US" sz="1200" dirty="0" err="1"/>
+              <a:t>ruang</a:t>
+            </a:r>
+            <a:r>
+              <a:rPr lang="en-US" sz="1200" dirty="0"/>
+              <a:t> </a:t>
+            </a:r>
+            <a:r>
+              <a:rPr lang="en-US" sz="1200" dirty="0" err="1"/>
+              <a:t>pembagian</a:t>
+            </a:r>
+            <a:r>
+              <a:rPr lang="en-US" sz="1200" dirty="0"/>
+              <a:t> </a:t>
+            </a:r>
+            <a:r>
+              <a:rPr lang="en-US" sz="1200" dirty="0" err="1"/>
+              <a:t>kelompok</a:t>
+            </a:r>
+            <a:r>
+              <a:rPr lang="en-US" sz="1200" dirty="0"/>
+              <a:t>.</a:t>
+            </a:r>
+            <a:endParaRPr lang="en-ID" sz="1200" dirty="0"/>
+          </a:p>
+          <a:p>
+            <a:pPr marL="228600" lvl="0" indent="-228600" algn="just">
+              <a:buFont typeface="+mj-lt"/>
+              <a:buAutoNum type="alphaLcParenR"/>
+            </a:pPr>
+            <a:r>
+              <a:rPr lang="en-US" sz="1200" dirty="0"/>
+              <a:t>Breakout Room Name (Nama </a:t>
+            </a:r>
+            <a:r>
+              <a:rPr lang="en-US" sz="1200" dirty="0" err="1"/>
+              <a:t>Ruang</a:t>
+            </a:r>
+            <a:r>
+              <a:rPr lang="en-US" sz="1200" dirty="0"/>
+              <a:t> </a:t>
+            </a:r>
+            <a:r>
+              <a:rPr lang="en-US" sz="1200" dirty="0" err="1"/>
+              <a:t>Pembagian</a:t>
+            </a:r>
+            <a:r>
+              <a:rPr lang="en-US" sz="1200" dirty="0"/>
+              <a:t> </a:t>
+            </a:r>
+            <a:r>
+              <a:rPr lang="en-US" sz="1200" dirty="0" err="1"/>
+              <a:t>Kelompok</a:t>
+            </a:r>
+            <a:r>
+              <a:rPr lang="en-US" sz="1200" dirty="0"/>
+              <a:t>): Nama yang </a:t>
+            </a:r>
+            <a:r>
+              <a:rPr lang="en-US" sz="1200" dirty="0" err="1"/>
+              <a:t>diberikan</a:t>
+            </a:r>
+            <a:r>
+              <a:rPr lang="en-US" sz="1200" dirty="0"/>
+              <a:t> </a:t>
+            </a:r>
+            <a:r>
+              <a:rPr lang="en-US" sz="1200" dirty="0" err="1"/>
+              <a:t>untuk</a:t>
+            </a:r>
+            <a:r>
+              <a:rPr lang="en-US" sz="1200" dirty="0"/>
+              <a:t> </a:t>
+            </a:r>
+            <a:r>
+              <a:rPr lang="en-US" sz="1200" dirty="0" err="1"/>
+              <a:t>setiap</a:t>
+            </a:r>
+            <a:r>
+              <a:rPr lang="en-US" sz="1200" dirty="0"/>
+              <a:t> </a:t>
+            </a:r>
+            <a:r>
+              <a:rPr lang="en-US" sz="1200" dirty="0" err="1"/>
+              <a:t>ruang</a:t>
+            </a:r>
+            <a:r>
+              <a:rPr lang="en-US" sz="1200" dirty="0"/>
+              <a:t> </a:t>
+            </a:r>
+            <a:r>
+              <a:rPr lang="en-US" sz="1200" dirty="0" err="1"/>
+              <a:t>pembagian</a:t>
+            </a:r>
+            <a:r>
+              <a:rPr lang="en-US" sz="1200" dirty="0"/>
+              <a:t> </a:t>
+            </a:r>
+            <a:r>
+              <a:rPr lang="en-US" sz="1200" dirty="0" err="1"/>
+              <a:t>kelompok</a:t>
+            </a:r>
+            <a:r>
+              <a:rPr lang="en-US" sz="1200" dirty="0"/>
+              <a:t>.</a:t>
+            </a:r>
+            <a:endParaRPr lang="en-ID" sz="1200" dirty="0"/>
+          </a:p>
+          <a:p>
+            <a:pPr marL="228600" lvl="0" indent="-228600" algn="just">
+              <a:buFont typeface="+mj-lt"/>
+              <a:buAutoNum type="alphaLcParenR"/>
+            </a:pPr>
+            <a:r>
+              <a:rPr lang="en-US" sz="1200" dirty="0"/>
+              <a:t>Breakout Room Participants (</a:t>
+            </a:r>
+            <a:r>
+              <a:rPr lang="en-US" sz="1200" dirty="0" err="1"/>
+              <a:t>Peserta</a:t>
+            </a:r>
+            <a:r>
+              <a:rPr lang="en-US" sz="1200" dirty="0"/>
+              <a:t> </a:t>
+            </a:r>
+            <a:r>
+              <a:rPr lang="en-US" sz="1200" dirty="0" err="1"/>
+              <a:t>Ruang</a:t>
+            </a:r>
+            <a:r>
+              <a:rPr lang="en-US" sz="1200" dirty="0"/>
+              <a:t> </a:t>
+            </a:r>
+            <a:r>
+              <a:rPr lang="en-US" sz="1200" dirty="0" err="1"/>
+              <a:t>Pembagian</a:t>
+            </a:r>
+            <a:r>
+              <a:rPr lang="en-US" sz="1200" dirty="0"/>
+              <a:t> </a:t>
+            </a:r>
+            <a:r>
+              <a:rPr lang="en-US" sz="1200" dirty="0" err="1"/>
+              <a:t>Kelompok</a:t>
+            </a:r>
+            <a:r>
+              <a:rPr lang="en-US" sz="1200" dirty="0"/>
+              <a:t>): </a:t>
+            </a:r>
+            <a:r>
+              <a:rPr lang="en-US" sz="1200" dirty="0" err="1"/>
+              <a:t>Jumlah</a:t>
+            </a:r>
+            <a:r>
+              <a:rPr lang="en-US" sz="1200" dirty="0"/>
+              <a:t> </a:t>
+            </a:r>
+            <a:r>
+              <a:rPr lang="en-US" sz="1200" dirty="0" err="1"/>
+              <a:t>peserta</a:t>
+            </a:r>
+            <a:r>
+              <a:rPr lang="en-US" sz="1200" dirty="0"/>
+              <a:t> yang </a:t>
+            </a:r>
+            <a:r>
+              <a:rPr lang="en-US" sz="1200" dirty="0" err="1"/>
+              <a:t>tergabung</a:t>
+            </a:r>
+            <a:r>
+              <a:rPr lang="en-US" sz="1200" dirty="0"/>
+              <a:t> </a:t>
+            </a:r>
+            <a:r>
+              <a:rPr lang="en-US" sz="1200" dirty="0" err="1"/>
+              <a:t>dalam</a:t>
+            </a:r>
+            <a:r>
+              <a:rPr lang="en-US" sz="1200" dirty="0"/>
+              <a:t> </a:t>
+            </a:r>
+            <a:r>
+              <a:rPr lang="en-US" sz="1200" dirty="0" err="1"/>
+              <a:t>ruang</a:t>
+            </a:r>
+            <a:r>
+              <a:rPr lang="en-US" sz="1200" dirty="0"/>
+              <a:t> </a:t>
+            </a:r>
+            <a:r>
+              <a:rPr lang="en-US" sz="1200" dirty="0" err="1"/>
+              <a:t>pembagian</a:t>
+            </a:r>
+            <a:r>
+              <a:rPr lang="en-US" sz="1200" dirty="0"/>
+              <a:t> </a:t>
+            </a:r>
+            <a:r>
+              <a:rPr lang="en-US" sz="1200" dirty="0" err="1"/>
+              <a:t>kelompok</a:t>
+            </a:r>
+            <a:r>
+              <a:rPr lang="en-US" sz="1200" dirty="0"/>
+              <a:t> </a:t>
+            </a:r>
+            <a:r>
+              <a:rPr lang="en-US" sz="1200" dirty="0" err="1"/>
+              <a:t>tertentu</a:t>
+            </a:r>
+            <a:r>
+              <a:rPr lang="en-US" sz="1200" dirty="0"/>
+              <a:t>.</a:t>
+            </a:r>
+            <a:endParaRPr lang="en-ID" sz="1200" dirty="0"/>
+          </a:p>
+          <a:p>
+            <a:pPr algn="just"/>
+            <a:r>
+              <a:rPr lang="en-US" sz="1200" dirty="0"/>
+              <a:t> </a:t>
+            </a:r>
+            <a:endParaRPr lang="en-ID" sz="1200" dirty="0"/>
+          </a:p>
+        </p:txBody>
+      </p:sp>
+    </p:spTree>
+    <p:extLst>
+      <p:ext uri="{BB962C8B-B14F-4D97-AF65-F5344CB8AC3E}">
+        <p14:creationId xmlns:p14="http://schemas.microsoft.com/office/powerpoint/2010/main" val="1326344736"/>
+      </p:ext>
+    </p:extLst>
+  </p:cSld>
+  <p:clrMapOvr>
+    <a:masterClrMapping/>
+  </p:clrMapOvr>
+  <p:transition spd="slow"/>
+</p:sld>
+</file>
+
+<file path=ppt/slides/slide44.xml><?xml version="1.0" encoding="utf-8"?>
+<p:sld xmlns:a="http://schemas.openxmlformats.org/drawingml/2006/main" xmlns:r="http://schemas.openxmlformats.org/officeDocument/2006/relationships" xmlns:p="http://schemas.openxmlformats.org/presentationml/2006/main">
+  <p:cSld>
+    <p:spTree>
+      <p:nvGrpSpPr>
+        <p:cNvPr id="1" name=""/>
+        <p:cNvGrpSpPr/>
+        <p:nvPr/>
+      </p:nvGrpSpPr>
+      <p:grpSpPr>
+        <a:xfrm>
+          <a:off x="0" y="0"/>
+          <a:ext cx="0" cy="0"/>
+          <a:chOff x="0" y="0"/>
+          <a:chExt cx="0" cy="0"/>
+        </a:xfrm>
+      </p:grpSpPr>
+      <p:sp>
+        <p:nvSpPr>
+          <p:cNvPr id="4" name="TextBox 3">
+            <a:extLst>
+              <a:ext uri="{FF2B5EF4-FFF2-40B4-BE49-F238E27FC236}">
+                <a16:creationId xmlns:a16="http://schemas.microsoft.com/office/drawing/2014/main" id="{8C960AEA-43FB-D5A0-7A89-3817530772F8}"/>
+              </a:ext>
+            </a:extLst>
+          </p:cNvPr>
+          <p:cNvSpPr txBox="1"/>
+          <p:nvPr/>
+        </p:nvSpPr>
+        <p:spPr>
+          <a:xfrm>
+            <a:off x="1998705" y="662315"/>
+            <a:ext cx="5146588" cy="369332"/>
+          </a:xfrm>
+          <a:prstGeom prst="rect">
+            <a:avLst/>
+          </a:prstGeom>
+          <a:noFill/>
+        </p:spPr>
+        <p:txBody>
+          <a:bodyPr wrap="square">
+            <a:spAutoFit/>
+          </a:bodyPr>
+          <a:lstStyle/>
+          <a:p>
+            <a:pPr lvl="0" algn="ctr"/>
+            <a:r>
+              <a:rPr lang="en-US" sz="1800" b="1" dirty="0">
+                <a:latin typeface="Arial" panose="020B0604020202020204" pitchFamily="34" charset="0"/>
+                <a:cs typeface="Arial" panose="020B0604020202020204" pitchFamily="34" charset="0"/>
+              </a:rPr>
+              <a:t>KAMUS DATA</a:t>
+            </a:r>
+            <a:endParaRPr lang="en-ID" sz="1800" b="1" dirty="0">
+              <a:latin typeface="Arial" panose="020B0604020202020204" pitchFamily="34" charset="0"/>
+              <a:cs typeface="Arial" panose="020B0604020202020204" pitchFamily="34" charset="0"/>
+            </a:endParaRPr>
+          </a:p>
+        </p:txBody>
+      </p:sp>
+      <p:sp>
+        <p:nvSpPr>
+          <p:cNvPr id="5" name="TextBox 4">
+            <a:extLst>
+              <a:ext uri="{FF2B5EF4-FFF2-40B4-BE49-F238E27FC236}">
+                <a16:creationId xmlns:a16="http://schemas.microsoft.com/office/drawing/2014/main" id="{6E2C6E4C-C431-4D6F-B955-5BB571B04E1C}"/>
+              </a:ext>
+            </a:extLst>
+          </p:cNvPr>
+          <p:cNvSpPr txBox="1"/>
+          <p:nvPr/>
+        </p:nvSpPr>
+        <p:spPr>
+          <a:xfrm>
+            <a:off x="914186" y="1232922"/>
+            <a:ext cx="7315625" cy="2677656"/>
+          </a:xfrm>
+          <a:prstGeom prst="rect">
+            <a:avLst/>
+          </a:prstGeom>
+          <a:noFill/>
+        </p:spPr>
+        <p:txBody>
+          <a:bodyPr wrap="square">
+            <a:spAutoFit/>
+          </a:bodyPr>
+          <a:lstStyle/>
+          <a:p>
+            <a:pPr marL="342900" lvl="0" indent="-342900" algn="just">
+              <a:buFont typeface="+mj-lt"/>
+              <a:buAutoNum type="arabicPeriod" startAt="3"/>
+            </a:pPr>
+            <a:r>
+              <a:rPr lang="en-US" sz="1200" dirty="0" err="1"/>
+              <a:t>Relasi</a:t>
+            </a:r>
+            <a:r>
+              <a:rPr lang="en-US" sz="1200" dirty="0"/>
+              <a:t> (Relationships):</a:t>
+            </a:r>
+            <a:endParaRPr lang="en-ID" sz="1200" dirty="0"/>
+          </a:p>
+          <a:p>
+            <a:pPr marL="342900" lvl="0" indent="-342900" algn="just">
+              <a:buFont typeface="+mj-lt"/>
+              <a:buAutoNum type="alphaLcParenR"/>
+            </a:pPr>
+            <a:r>
+              <a:rPr lang="en-US" sz="1200" dirty="0" err="1"/>
+              <a:t>Hubungan</a:t>
+            </a:r>
+            <a:r>
+              <a:rPr lang="en-US" sz="1200" dirty="0"/>
+              <a:t> "Meeting - Participant": </a:t>
+            </a:r>
+            <a:r>
+              <a:rPr lang="en-US" sz="1200" dirty="0" err="1"/>
+              <a:t>Setiap</a:t>
+            </a:r>
+            <a:r>
+              <a:rPr lang="en-US" sz="1200" dirty="0"/>
+              <a:t> </a:t>
+            </a:r>
+            <a:r>
+              <a:rPr lang="en-US" sz="1200" dirty="0" err="1"/>
+              <a:t>pertemuan</a:t>
+            </a:r>
+            <a:r>
+              <a:rPr lang="en-US" sz="1200" dirty="0"/>
+              <a:t> </a:t>
+            </a:r>
+            <a:r>
+              <a:rPr lang="en-US" sz="1200" dirty="0" err="1"/>
+              <a:t>memiliki</a:t>
+            </a:r>
+            <a:r>
+              <a:rPr lang="en-US" sz="1200" dirty="0"/>
+              <a:t> </a:t>
+            </a:r>
+            <a:r>
+              <a:rPr lang="en-US" sz="1200" dirty="0" err="1"/>
+              <a:t>beberapa</a:t>
+            </a:r>
+            <a:r>
+              <a:rPr lang="en-US" sz="1200" dirty="0"/>
+              <a:t> </a:t>
+            </a:r>
+            <a:r>
+              <a:rPr lang="en-US" sz="1200" dirty="0" err="1"/>
+              <a:t>peserta</a:t>
+            </a:r>
+            <a:r>
+              <a:rPr lang="en-US" sz="1200" dirty="0"/>
+              <a:t> yang </a:t>
+            </a:r>
+            <a:r>
+              <a:rPr lang="en-US" sz="1200" dirty="0" err="1"/>
+              <a:t>terkait</a:t>
+            </a:r>
+            <a:r>
+              <a:rPr lang="en-US" sz="1200" dirty="0"/>
+              <a:t> </a:t>
+            </a:r>
+            <a:r>
+              <a:rPr lang="en-US" sz="1200" dirty="0" err="1"/>
+              <a:t>dengannya</a:t>
+            </a:r>
+            <a:r>
+              <a:rPr lang="en-US" sz="1200" dirty="0"/>
+              <a:t> </a:t>
+            </a:r>
+            <a:r>
+              <a:rPr lang="en-US" sz="1200" dirty="0" err="1"/>
+              <a:t>melalui</a:t>
+            </a:r>
+            <a:r>
+              <a:rPr lang="en-US" sz="1200" dirty="0"/>
+              <a:t> ID </a:t>
+            </a:r>
+            <a:r>
+              <a:rPr lang="en-US" sz="1200" dirty="0" err="1"/>
+              <a:t>pertemuan</a:t>
+            </a:r>
+            <a:r>
+              <a:rPr lang="en-US" sz="1200" dirty="0"/>
+              <a:t>.</a:t>
+            </a:r>
+            <a:endParaRPr lang="en-ID" sz="1200" dirty="0"/>
+          </a:p>
+          <a:p>
+            <a:pPr marL="342900" lvl="0" indent="-342900" algn="just">
+              <a:buFont typeface="+mj-lt"/>
+              <a:buAutoNum type="alphaLcParenR"/>
+            </a:pPr>
+            <a:r>
+              <a:rPr lang="en-US" sz="1200" dirty="0" err="1"/>
+              <a:t>Hubungan</a:t>
+            </a:r>
+            <a:r>
+              <a:rPr lang="en-US" sz="1200" dirty="0"/>
+              <a:t> "Breakout Room - Participant": </a:t>
+            </a:r>
+            <a:r>
+              <a:rPr lang="en-US" sz="1200" dirty="0" err="1"/>
+              <a:t>Setiap</a:t>
+            </a:r>
+            <a:r>
+              <a:rPr lang="en-US" sz="1200" dirty="0"/>
+              <a:t> </a:t>
+            </a:r>
+            <a:r>
+              <a:rPr lang="en-US" sz="1200" dirty="0" err="1"/>
+              <a:t>ruang</a:t>
+            </a:r>
+            <a:r>
+              <a:rPr lang="en-US" sz="1200" dirty="0"/>
+              <a:t> </a:t>
+            </a:r>
+            <a:r>
+              <a:rPr lang="en-US" sz="1200" dirty="0" err="1"/>
+              <a:t>pembagian</a:t>
+            </a:r>
+            <a:r>
+              <a:rPr lang="en-US" sz="1200" dirty="0"/>
+              <a:t> </a:t>
+            </a:r>
+            <a:r>
+              <a:rPr lang="en-US" sz="1200" dirty="0" err="1"/>
+              <a:t>kelompok</a:t>
+            </a:r>
+            <a:r>
+              <a:rPr lang="en-US" sz="1200" dirty="0"/>
+              <a:t> </a:t>
+            </a:r>
+            <a:r>
+              <a:rPr lang="en-US" sz="1200" dirty="0" err="1"/>
+              <a:t>memiliki</a:t>
+            </a:r>
+            <a:r>
+              <a:rPr lang="en-US" sz="1200" dirty="0"/>
+              <a:t> </a:t>
+            </a:r>
+            <a:r>
+              <a:rPr lang="en-US" sz="1200" dirty="0" err="1"/>
+              <a:t>beberapa</a:t>
+            </a:r>
+            <a:r>
+              <a:rPr lang="en-US" sz="1200" dirty="0"/>
+              <a:t> </a:t>
+            </a:r>
+            <a:r>
+              <a:rPr lang="en-US" sz="1200" dirty="0" err="1"/>
+              <a:t>peserta</a:t>
+            </a:r>
+            <a:r>
+              <a:rPr lang="en-US" sz="1200" dirty="0"/>
+              <a:t> yang </a:t>
+            </a:r>
+            <a:r>
+              <a:rPr lang="en-US" sz="1200" dirty="0" err="1"/>
+              <a:t>tergabung</a:t>
+            </a:r>
+            <a:r>
+              <a:rPr lang="en-US" sz="1200" dirty="0"/>
+              <a:t> </a:t>
+            </a:r>
+            <a:r>
+              <a:rPr lang="en-US" sz="1200" dirty="0" err="1"/>
+              <a:t>melalui</a:t>
+            </a:r>
+            <a:r>
+              <a:rPr lang="en-US" sz="1200" dirty="0"/>
+              <a:t> ID </a:t>
+            </a:r>
+            <a:r>
+              <a:rPr lang="en-US" sz="1200" dirty="0" err="1"/>
+              <a:t>ruang</a:t>
+            </a:r>
+            <a:r>
+              <a:rPr lang="en-US" sz="1200" dirty="0"/>
+              <a:t> </a:t>
+            </a:r>
+            <a:r>
+              <a:rPr lang="en-US" sz="1200" dirty="0" err="1"/>
+              <a:t>pembagian</a:t>
+            </a:r>
+            <a:r>
+              <a:rPr lang="en-US" sz="1200" dirty="0"/>
+              <a:t> </a:t>
+            </a:r>
+            <a:r>
+              <a:rPr lang="en-US" sz="1200" dirty="0" err="1"/>
+              <a:t>kelompok</a:t>
+            </a:r>
+            <a:r>
+              <a:rPr lang="en-US" sz="1200" dirty="0"/>
+              <a:t>.</a:t>
+            </a:r>
+            <a:endParaRPr lang="en-ID" sz="1200" dirty="0"/>
+          </a:p>
+          <a:p>
+            <a:pPr marL="342900" lvl="0" indent="-342900" algn="just">
+              <a:buFont typeface="+mj-lt"/>
+              <a:buAutoNum type="alphaLcParenR"/>
+            </a:pPr>
+            <a:r>
+              <a:rPr lang="en-US" sz="1200" dirty="0" err="1"/>
+              <a:t>Hubungan</a:t>
+            </a:r>
+            <a:r>
+              <a:rPr lang="en-US" sz="1200" dirty="0"/>
+              <a:t> "Meeting - Breakout Room": </a:t>
+            </a:r>
+            <a:r>
+              <a:rPr lang="en-US" sz="1200" dirty="0" err="1"/>
+              <a:t>Setiap</a:t>
+            </a:r>
+            <a:r>
+              <a:rPr lang="en-US" sz="1200" dirty="0"/>
+              <a:t> </a:t>
+            </a:r>
+            <a:r>
+              <a:rPr lang="en-US" sz="1200" dirty="0" err="1"/>
+              <a:t>pertemuan</a:t>
+            </a:r>
+            <a:r>
+              <a:rPr lang="en-US" sz="1200" dirty="0"/>
+              <a:t> </a:t>
+            </a:r>
+            <a:r>
+              <a:rPr lang="en-US" sz="1200" dirty="0" err="1"/>
+              <a:t>dapat</a:t>
+            </a:r>
+            <a:r>
+              <a:rPr lang="en-US" sz="1200" dirty="0"/>
+              <a:t> </a:t>
+            </a:r>
+            <a:r>
+              <a:rPr lang="en-US" sz="1200" dirty="0" err="1"/>
+              <a:t>memiliki</a:t>
+            </a:r>
+            <a:r>
+              <a:rPr lang="en-US" sz="1200" dirty="0"/>
+              <a:t> </a:t>
+            </a:r>
+            <a:r>
+              <a:rPr lang="en-US" sz="1200" dirty="0" err="1"/>
+              <a:t>beberapa</a:t>
+            </a:r>
+            <a:r>
+              <a:rPr lang="en-US" sz="1200" dirty="0"/>
+              <a:t> </a:t>
+            </a:r>
+            <a:r>
+              <a:rPr lang="en-US" sz="1200" dirty="0" err="1"/>
+              <a:t>ruang</a:t>
+            </a:r>
+            <a:r>
+              <a:rPr lang="en-US" sz="1200" dirty="0"/>
+              <a:t> </a:t>
+            </a:r>
+            <a:r>
+              <a:rPr lang="en-US" sz="1200" dirty="0" err="1"/>
+              <a:t>pembagian</a:t>
+            </a:r>
+            <a:r>
+              <a:rPr lang="en-US" sz="1200" dirty="0"/>
+              <a:t> </a:t>
+            </a:r>
+            <a:r>
+              <a:rPr lang="en-US" sz="1200" dirty="0" err="1"/>
+              <a:t>kelompok</a:t>
+            </a:r>
+            <a:r>
+              <a:rPr lang="en-US" sz="1200" dirty="0"/>
+              <a:t> yang </a:t>
+            </a:r>
+            <a:r>
+              <a:rPr lang="en-US" sz="1200" dirty="0" err="1"/>
+              <a:t>terkait</a:t>
+            </a:r>
+            <a:r>
+              <a:rPr lang="en-US" sz="1200" dirty="0"/>
+              <a:t> </a:t>
+            </a:r>
+            <a:r>
+              <a:rPr lang="en-US" sz="1200" dirty="0" err="1"/>
+              <a:t>dengannya</a:t>
+            </a:r>
+            <a:r>
+              <a:rPr lang="en-US" sz="1200" dirty="0"/>
+              <a:t> </a:t>
+            </a:r>
+            <a:r>
+              <a:rPr lang="en-US" sz="1200" dirty="0" err="1"/>
+              <a:t>melalui</a:t>
+            </a:r>
+            <a:r>
+              <a:rPr lang="en-US" sz="1200" dirty="0"/>
+              <a:t> ID </a:t>
+            </a:r>
+            <a:r>
+              <a:rPr lang="en-US" sz="1200" dirty="0" err="1"/>
+              <a:t>pertemuan</a:t>
+            </a:r>
+            <a:r>
+              <a:rPr lang="en-US" sz="1200" dirty="0"/>
+              <a:t>.</a:t>
+            </a:r>
+            <a:endParaRPr lang="en-ID" sz="1200" dirty="0"/>
+          </a:p>
+          <a:p>
+            <a:pPr algn="just"/>
+            <a:endParaRPr lang="en-ID" sz="1200" dirty="0"/>
+          </a:p>
+          <a:p>
+            <a:pPr marL="342900" lvl="0" indent="-342900" algn="just">
+              <a:buFont typeface="+mj-lt"/>
+              <a:buAutoNum type="arabicPeriod" startAt="4"/>
+            </a:pPr>
+            <a:r>
+              <a:rPr lang="en-US" sz="1200" dirty="0" err="1"/>
+              <a:t>Tipe</a:t>
+            </a:r>
+            <a:r>
+              <a:rPr lang="en-US" sz="1200" dirty="0"/>
+              <a:t> Data (Data Types):</a:t>
+            </a:r>
+            <a:endParaRPr lang="en-ID" sz="1200" dirty="0"/>
+          </a:p>
+          <a:p>
+            <a:pPr marL="342900" lvl="0" indent="-342900" algn="just">
+              <a:buFont typeface="+mj-lt"/>
+              <a:buAutoNum type="alphaLcParenR"/>
+            </a:pPr>
+            <a:r>
+              <a:rPr lang="en-US" sz="1200" dirty="0"/>
+              <a:t>Meeting ID: String </a:t>
+            </a:r>
+            <a:r>
+              <a:rPr lang="en-US" sz="1200" dirty="0" err="1"/>
+              <a:t>atau</a:t>
+            </a:r>
+            <a:r>
+              <a:rPr lang="en-US" sz="1200" dirty="0"/>
+              <a:t> </a:t>
+            </a:r>
+            <a:r>
+              <a:rPr lang="en-US" sz="1200" dirty="0" err="1"/>
+              <a:t>angka</a:t>
+            </a:r>
+            <a:r>
+              <a:rPr lang="en-US" sz="1200" dirty="0"/>
+              <a:t> </a:t>
+            </a:r>
+            <a:r>
+              <a:rPr lang="en-US" sz="1200" dirty="0" err="1"/>
+              <a:t>unik</a:t>
+            </a:r>
+            <a:r>
+              <a:rPr lang="en-US" sz="1200" dirty="0"/>
+              <a:t>.</a:t>
+            </a:r>
+            <a:endParaRPr lang="en-ID" sz="1200" dirty="0"/>
+          </a:p>
+          <a:p>
+            <a:pPr marL="342900" lvl="0" indent="-342900" algn="just">
+              <a:buFont typeface="+mj-lt"/>
+              <a:buAutoNum type="alphaLcParenR"/>
+            </a:pPr>
+            <a:r>
+              <a:rPr lang="en-US" sz="1200" dirty="0"/>
+              <a:t>Participant ID: String </a:t>
+            </a:r>
+            <a:r>
+              <a:rPr lang="en-US" sz="1200" dirty="0" err="1"/>
+              <a:t>atau</a:t>
+            </a:r>
+            <a:r>
+              <a:rPr lang="en-US" sz="1200" dirty="0"/>
+              <a:t> </a:t>
+            </a:r>
+            <a:r>
+              <a:rPr lang="en-US" sz="1200" dirty="0" err="1"/>
+              <a:t>angka</a:t>
+            </a:r>
+            <a:r>
+              <a:rPr lang="en-US" sz="1200" dirty="0"/>
+              <a:t> </a:t>
+            </a:r>
+            <a:r>
+              <a:rPr lang="en-US" sz="1200" dirty="0" err="1"/>
+              <a:t>unik</a:t>
+            </a:r>
+            <a:r>
+              <a:rPr lang="en-US" sz="1200" dirty="0"/>
+              <a:t>.</a:t>
+            </a:r>
+            <a:endParaRPr lang="en-ID" sz="1200" dirty="0"/>
+          </a:p>
+          <a:p>
+            <a:pPr marL="342900" lvl="0" indent="-342900" algn="just">
+              <a:buFont typeface="+mj-lt"/>
+              <a:buAutoNum type="alphaLcParenR"/>
+            </a:pPr>
+            <a:r>
+              <a:rPr lang="en-US" sz="1200" dirty="0"/>
+              <a:t>Breakout Room ID: String </a:t>
+            </a:r>
+            <a:r>
+              <a:rPr lang="en-US" sz="1200" dirty="0" err="1"/>
+              <a:t>atau</a:t>
+            </a:r>
+            <a:r>
+              <a:rPr lang="en-US" sz="1200" dirty="0"/>
+              <a:t> </a:t>
+            </a:r>
+            <a:r>
+              <a:rPr lang="en-US" sz="1200" dirty="0" err="1"/>
+              <a:t>angka</a:t>
+            </a:r>
+            <a:r>
+              <a:rPr lang="en-US" sz="1200" dirty="0"/>
+              <a:t> </a:t>
+            </a:r>
+            <a:r>
+              <a:rPr lang="en-US" sz="1200" dirty="0" err="1"/>
+              <a:t>unik</a:t>
+            </a:r>
+            <a:r>
+              <a:rPr lang="en-US" sz="1200" dirty="0"/>
+              <a:t>.</a:t>
+            </a:r>
+            <a:endParaRPr lang="en-ID" sz="1200" dirty="0"/>
+          </a:p>
+          <a:p>
+            <a:pPr marL="342900" lvl="0" indent="-342900" algn="just">
+              <a:buFont typeface="+mj-lt"/>
+              <a:buAutoNum type="alphaLcParenR"/>
+            </a:pPr>
+            <a:r>
+              <a:rPr lang="en-US" sz="1200" dirty="0"/>
+              <a:t>Breakout Room Name: String.</a:t>
+            </a:r>
+            <a:endParaRPr lang="en-ID" sz="1200" dirty="0"/>
+          </a:p>
+          <a:p>
+            <a:pPr marL="342900" lvl="0" indent="-342900" algn="just">
+              <a:buFont typeface="+mj-lt"/>
+              <a:buAutoNum type="alphaLcParenR"/>
+            </a:pPr>
+            <a:r>
+              <a:rPr lang="en-US" sz="1200" dirty="0"/>
+              <a:t>Breakout Room Participants: </a:t>
+            </a:r>
+            <a:r>
+              <a:rPr lang="en-US" sz="1200" dirty="0" err="1"/>
+              <a:t>Jumlah</a:t>
+            </a:r>
+            <a:r>
+              <a:rPr lang="en-US" sz="1200" dirty="0"/>
+              <a:t> </a:t>
+            </a:r>
+            <a:r>
+              <a:rPr lang="en-US" sz="1200" dirty="0" err="1"/>
+              <a:t>peserta</a:t>
+            </a:r>
+            <a:r>
+              <a:rPr lang="en-US" sz="1200" dirty="0"/>
+              <a:t> </a:t>
+            </a:r>
+            <a:r>
+              <a:rPr lang="en-US" sz="1200" dirty="0" err="1"/>
+              <a:t>dalam</a:t>
+            </a:r>
+            <a:r>
+              <a:rPr lang="en-US" sz="1200" dirty="0"/>
+              <a:t> </a:t>
+            </a:r>
+            <a:r>
+              <a:rPr lang="en-US" sz="1200" dirty="0" err="1"/>
+              <a:t>ruang</a:t>
+            </a:r>
+            <a:r>
+              <a:rPr lang="en-US" sz="1200" dirty="0"/>
+              <a:t> </a:t>
+            </a:r>
+            <a:r>
+              <a:rPr lang="en-US" sz="1200" dirty="0" err="1"/>
+              <a:t>pembagian</a:t>
+            </a:r>
+            <a:r>
+              <a:rPr lang="en-US" sz="1200" dirty="0"/>
+              <a:t> </a:t>
+            </a:r>
+            <a:r>
+              <a:rPr lang="en-US" sz="1200" dirty="0" err="1"/>
+              <a:t>kelompok</a:t>
+            </a:r>
+            <a:r>
+              <a:rPr lang="en-US" sz="1200" dirty="0"/>
+              <a:t>.</a:t>
+            </a:r>
+            <a:endParaRPr lang="en-ID" sz="1200" dirty="0"/>
+          </a:p>
+        </p:txBody>
+      </p:sp>
+    </p:spTree>
+    <p:extLst>
+      <p:ext uri="{BB962C8B-B14F-4D97-AF65-F5344CB8AC3E}">
+        <p14:creationId xmlns:p14="http://schemas.microsoft.com/office/powerpoint/2010/main" val="3134838439"/>
+      </p:ext>
+    </p:extLst>
+  </p:cSld>
+  <p:clrMapOvr>
+    <a:masterClrMapping/>
+  </p:clrMapOvr>
+  <p:transition spd="slow"/>
+</p:sld>
+</file>
+
+<file path=ppt/slides/slide45.xml><?xml version="1.0" encoding="utf-8"?>
 <p:sld xmlns:a="http://schemas.openxmlformats.org/drawingml/2006/main" xmlns:r="http://schemas.openxmlformats.org/officeDocument/2006/relationships" xmlns:p="http://schemas.openxmlformats.org/presentationml/2006/main">
   <p:cSld>
     <p:spTree>
